--- a/Climate Change Presentation.pptx
+++ b/Climate Change Presentation.pptx
@@ -11,8 +11,11 @@
     <p:sldId id="259" r:id="rId5"/>
     <p:sldId id="263" r:id="rId6"/>
     <p:sldId id="261" r:id="rId7"/>
-    <p:sldId id="264" r:id="rId8"/>
-    <p:sldId id="258" r:id="rId9"/>
+    <p:sldId id="265" r:id="rId8"/>
+    <p:sldId id="266" r:id="rId9"/>
+    <p:sldId id="264" r:id="rId10"/>
+    <p:sldId id="268" r:id="rId11"/>
+    <p:sldId id="258" r:id="rId12"/>
   </p:sldIdLst>
   <p:sldSz cx="12192000" cy="6858000"/>
   <p:notesSz cx="6858000" cy="9144000"/>
@@ -111,6 +114,11 @@
       </a:defRPr>
     </a:lvl9pPr>
   </p:defaultTextStyle>
+  <p:extLst>
+    <p:ext uri="{EFAFB233-063F-42B5-8137-9DF3F51BA10A}">
+      <p15:sldGuideLst xmlns:p15="http://schemas.microsoft.com/office/powerpoint/2012/main"/>
+    </p:ext>
+  </p:extLst>
 </p:presentation>
 </file>
 
@@ -261,7 +269,7 @@
           <a:p>
             <a:fld id="{9C1E232B-274B-44A2-BE69-EF7B1E510C29}" type="datetimeFigureOut">
               <a:rPr lang="en-US" smtClean="0"/>
-              <a:t>11/21/2024</a:t>
+              <a:t>11/25/2024</a:t>
             </a:fld>
             <a:endParaRPr lang="en-US"/>
           </a:p>
@@ -459,7 +467,7 @@
           <a:p>
             <a:fld id="{9C1E232B-274B-44A2-BE69-EF7B1E510C29}" type="datetimeFigureOut">
               <a:rPr lang="en-US" smtClean="0"/>
-              <a:t>11/21/2024</a:t>
+              <a:t>11/25/2024</a:t>
             </a:fld>
             <a:endParaRPr lang="en-US"/>
           </a:p>
@@ -667,7 +675,7 @@
           <a:p>
             <a:fld id="{9C1E232B-274B-44A2-BE69-EF7B1E510C29}" type="datetimeFigureOut">
               <a:rPr lang="en-US" smtClean="0"/>
-              <a:t>11/21/2024</a:t>
+              <a:t>11/25/2024</a:t>
             </a:fld>
             <a:endParaRPr lang="en-US"/>
           </a:p>
@@ -865,7 +873,7 @@
           <a:p>
             <a:fld id="{9C1E232B-274B-44A2-BE69-EF7B1E510C29}" type="datetimeFigureOut">
               <a:rPr lang="en-US" smtClean="0"/>
-              <a:t>11/21/2024</a:t>
+              <a:t>11/25/2024</a:t>
             </a:fld>
             <a:endParaRPr lang="en-US"/>
           </a:p>
@@ -1140,7 +1148,7 @@
           <a:p>
             <a:fld id="{9C1E232B-274B-44A2-BE69-EF7B1E510C29}" type="datetimeFigureOut">
               <a:rPr lang="en-US" smtClean="0"/>
-              <a:t>11/21/2024</a:t>
+              <a:t>11/25/2024</a:t>
             </a:fld>
             <a:endParaRPr lang="en-US"/>
           </a:p>
@@ -1405,7 +1413,7 @@
           <a:p>
             <a:fld id="{9C1E232B-274B-44A2-BE69-EF7B1E510C29}" type="datetimeFigureOut">
               <a:rPr lang="en-US" smtClean="0"/>
-              <a:t>11/21/2024</a:t>
+              <a:t>11/25/2024</a:t>
             </a:fld>
             <a:endParaRPr lang="en-US"/>
           </a:p>
@@ -1817,7 +1825,7 @@
           <a:p>
             <a:fld id="{9C1E232B-274B-44A2-BE69-EF7B1E510C29}" type="datetimeFigureOut">
               <a:rPr lang="en-US" smtClean="0"/>
-              <a:t>11/21/2024</a:t>
+              <a:t>11/25/2024</a:t>
             </a:fld>
             <a:endParaRPr lang="en-US"/>
           </a:p>
@@ -1958,7 +1966,7 @@
           <a:p>
             <a:fld id="{9C1E232B-274B-44A2-BE69-EF7B1E510C29}" type="datetimeFigureOut">
               <a:rPr lang="en-US" smtClean="0"/>
-              <a:t>11/21/2024</a:t>
+              <a:t>11/25/2024</a:t>
             </a:fld>
             <a:endParaRPr lang="en-US"/>
           </a:p>
@@ -2071,7 +2079,7 @@
           <a:p>
             <a:fld id="{9C1E232B-274B-44A2-BE69-EF7B1E510C29}" type="datetimeFigureOut">
               <a:rPr lang="en-US" smtClean="0"/>
-              <a:t>11/21/2024</a:t>
+              <a:t>11/25/2024</a:t>
             </a:fld>
             <a:endParaRPr lang="en-US"/>
           </a:p>
@@ -2382,7 +2390,7 @@
           <a:p>
             <a:fld id="{9C1E232B-274B-44A2-BE69-EF7B1E510C29}" type="datetimeFigureOut">
               <a:rPr lang="en-US" smtClean="0"/>
-              <a:t>11/21/2024</a:t>
+              <a:t>11/25/2024</a:t>
             </a:fld>
             <a:endParaRPr lang="en-US"/>
           </a:p>
@@ -2670,7 +2678,7 @@
           <a:p>
             <a:fld id="{9C1E232B-274B-44A2-BE69-EF7B1E510C29}" type="datetimeFigureOut">
               <a:rPr lang="en-US" smtClean="0"/>
-              <a:t>11/21/2024</a:t>
+              <a:t>11/25/2024</a:t>
             </a:fld>
             <a:endParaRPr lang="en-US"/>
           </a:p>
@@ -2911,7 +2919,7 @@
           <a:p>
             <a:fld id="{9C1E232B-274B-44A2-BE69-EF7B1E510C29}" type="datetimeFigureOut">
               <a:rPr lang="en-US" smtClean="0"/>
-              <a:t>11/21/2024</a:t>
+              <a:t>11/25/2024</a:t>
             </a:fld>
             <a:endParaRPr lang="en-US"/>
           </a:p>
@@ -3400,6 +3408,222 @@
 </p:sld>
 </file>
 
+<file path=ppt/slides/slide10.xml><?xml version="1.0" encoding="utf-8"?>
+<p:sld xmlns:a="http://schemas.openxmlformats.org/drawingml/2006/main" xmlns:r="http://schemas.openxmlformats.org/officeDocument/2006/relationships" xmlns:p="http://schemas.openxmlformats.org/presentationml/2006/main">
+  <p:cSld>
+    <p:spTree>
+      <p:nvGrpSpPr>
+        <p:cNvPr id="1" name=""/>
+        <p:cNvGrpSpPr/>
+        <p:nvPr/>
+      </p:nvGrpSpPr>
+      <p:grpSpPr>
+        <a:xfrm>
+          <a:off x="0" y="0"/>
+          <a:ext cx="0" cy="0"/>
+          <a:chOff x="0" y="0"/>
+          <a:chExt cx="0" cy="0"/>
+        </a:xfrm>
+      </p:grpSpPr>
+      <p:sp>
+        <p:nvSpPr>
+          <p:cNvPr id="2" name="Title 1">
+            <a:extLst>
+              <a:ext uri="{FF2B5EF4-FFF2-40B4-BE49-F238E27FC236}">
+                <a16:creationId xmlns:a16="http://schemas.microsoft.com/office/drawing/2014/main" id="{7CB4077B-6C2B-6D53-3BEE-129B034CB1F0}"/>
+              </a:ext>
+            </a:extLst>
+          </p:cNvPr>
+          <p:cNvSpPr>
+            <a:spLocks noGrp="1"/>
+          </p:cNvSpPr>
+          <p:nvPr>
+            <p:ph type="title"/>
+          </p:nvPr>
+        </p:nvSpPr>
+        <p:spPr/>
+        <p:txBody>
+          <a:bodyPr/>
+          <a:lstStyle/>
+          <a:p>
+            <a:r>
+              <a:rPr lang="en-US" dirty="0"/>
+              <a:t>Conclusions</a:t>
+            </a:r>
+          </a:p>
+        </p:txBody>
+      </p:sp>
+      <p:sp>
+        <p:nvSpPr>
+          <p:cNvPr id="3" name="Content Placeholder 2">
+            <a:extLst>
+              <a:ext uri="{FF2B5EF4-FFF2-40B4-BE49-F238E27FC236}">
+                <a16:creationId xmlns:a16="http://schemas.microsoft.com/office/drawing/2014/main" id="{E53DB74B-B8CA-D790-47C6-F5393B695E76}"/>
+              </a:ext>
+            </a:extLst>
+          </p:cNvPr>
+          <p:cNvSpPr>
+            <a:spLocks noGrp="1"/>
+          </p:cNvSpPr>
+          <p:nvPr>
+            <p:ph idx="1"/>
+          </p:nvPr>
+        </p:nvSpPr>
+        <p:spPr/>
+        <p:txBody>
+          <a:bodyPr/>
+          <a:lstStyle/>
+          <a:p>
+            <a:r>
+              <a:rPr lang="en-US" dirty="0"/>
+              <a:t>Climate Change is a Global Problem</a:t>
+            </a:r>
+          </a:p>
+          <a:p>
+            <a:r>
+              <a:rPr lang="en-US" dirty="0"/>
+              <a:t>Coal power should be phased out</a:t>
+            </a:r>
+          </a:p>
+          <a:p>
+            <a:r>
+              <a:rPr lang="en-US" dirty="0"/>
+              <a:t>Third and Second World countries use lots of Coal</a:t>
+            </a:r>
+          </a:p>
+          <a:p>
+            <a:pPr lvl="1"/>
+            <a:r>
+              <a:rPr lang="en-US" dirty="0"/>
+              <a:t>Coal power plants are cheap</a:t>
+            </a:r>
+          </a:p>
+          <a:p>
+            <a:pPr lvl="1"/>
+            <a:r>
+              <a:rPr lang="en-US" dirty="0"/>
+              <a:t>They have more pressing matters</a:t>
+            </a:r>
+          </a:p>
+          <a:p>
+            <a:r>
+              <a:rPr lang="en-US" dirty="0"/>
+              <a:t>Best we can hope for is countries like China, India, and Australia to start reducing their Coal powerplant usage in favor of another power option</a:t>
+            </a:r>
+          </a:p>
+          <a:p>
+            <a:pPr lvl="1"/>
+            <a:r>
+              <a:rPr lang="en-US" dirty="0"/>
+              <a:t>Like </a:t>
+            </a:r>
+            <a:r>
+              <a:rPr lang="en-US" b="1" dirty="0"/>
+              <a:t>Nuclear</a:t>
+            </a:r>
+            <a:r>
+              <a:rPr lang="en-US" dirty="0"/>
+              <a:t>, Hydro, or Solar</a:t>
+            </a:r>
+          </a:p>
+        </p:txBody>
+      </p:sp>
+    </p:spTree>
+    <p:extLst>
+      <p:ext uri="{BB962C8B-B14F-4D97-AF65-F5344CB8AC3E}">
+        <p14:creationId xmlns:p14="http://schemas.microsoft.com/office/powerpoint/2010/main" val="143333229"/>
+      </p:ext>
+    </p:extLst>
+  </p:cSld>
+  <p:clrMapOvr>
+    <a:masterClrMapping/>
+  </p:clrMapOvr>
+</p:sld>
+</file>
+
+<file path=ppt/slides/slide11.xml><?xml version="1.0" encoding="utf-8"?>
+<p:sld xmlns:a="http://schemas.openxmlformats.org/drawingml/2006/main" xmlns:r="http://schemas.openxmlformats.org/officeDocument/2006/relationships" xmlns:p="http://schemas.openxmlformats.org/presentationml/2006/main">
+  <p:cSld>
+    <p:spTree>
+      <p:nvGrpSpPr>
+        <p:cNvPr id="1" name=""/>
+        <p:cNvGrpSpPr/>
+        <p:nvPr/>
+      </p:nvGrpSpPr>
+      <p:grpSpPr>
+        <a:xfrm>
+          <a:off x="0" y="0"/>
+          <a:ext cx="0" cy="0"/>
+          <a:chOff x="0" y="0"/>
+          <a:chExt cx="0" cy="0"/>
+        </a:xfrm>
+      </p:grpSpPr>
+      <p:sp>
+        <p:nvSpPr>
+          <p:cNvPr id="2" name="Title 1">
+            <a:extLst>
+              <a:ext uri="{FF2B5EF4-FFF2-40B4-BE49-F238E27FC236}">
+                <a16:creationId xmlns:a16="http://schemas.microsoft.com/office/drawing/2014/main" id="{A10F7D70-517E-82BF-6F4D-7E5543A2AA4B}"/>
+              </a:ext>
+            </a:extLst>
+          </p:cNvPr>
+          <p:cNvSpPr>
+            <a:spLocks noGrp="1"/>
+          </p:cNvSpPr>
+          <p:nvPr>
+            <p:ph type="title"/>
+          </p:nvPr>
+        </p:nvSpPr>
+        <p:spPr/>
+        <p:txBody>
+          <a:bodyPr/>
+          <a:lstStyle/>
+          <a:p>
+            <a:r>
+              <a:rPr lang="en-US" dirty="0"/>
+              <a:t>Sources</a:t>
+            </a:r>
+          </a:p>
+        </p:txBody>
+      </p:sp>
+      <p:sp>
+        <p:nvSpPr>
+          <p:cNvPr id="3" name="Content Placeholder 2">
+            <a:extLst>
+              <a:ext uri="{FF2B5EF4-FFF2-40B4-BE49-F238E27FC236}">
+                <a16:creationId xmlns:a16="http://schemas.microsoft.com/office/drawing/2014/main" id="{E11D2B4E-5408-256B-43F6-3C3FC6B3B668}"/>
+              </a:ext>
+            </a:extLst>
+          </p:cNvPr>
+          <p:cNvSpPr>
+            <a:spLocks noGrp="1"/>
+          </p:cNvSpPr>
+          <p:nvPr>
+            <p:ph idx="1"/>
+          </p:nvPr>
+        </p:nvSpPr>
+        <p:spPr/>
+        <p:txBody>
+          <a:bodyPr/>
+          <a:lstStyle/>
+          <a:p>
+            <a:endParaRPr lang="en-US" dirty="0"/>
+          </a:p>
+        </p:txBody>
+      </p:sp>
+    </p:spTree>
+    <p:extLst>
+      <p:ext uri="{BB962C8B-B14F-4D97-AF65-F5344CB8AC3E}">
+        <p14:creationId xmlns:p14="http://schemas.microsoft.com/office/powerpoint/2010/main" val="242766817"/>
+      </p:ext>
+    </p:extLst>
+  </p:cSld>
+  <p:clrMapOvr>
+    <a:masterClrMapping/>
+  </p:clrMapOvr>
+</p:sld>
+</file>
+
 <file path=ppt/slides/slide2.xml><?xml version="1.0" encoding="utf-8"?>
 <p:sld xmlns:a="http://schemas.openxmlformats.org/drawingml/2006/main" xmlns:r="http://schemas.openxmlformats.org/officeDocument/2006/relationships" xmlns:p="http://schemas.openxmlformats.org/presentationml/2006/main">
   <p:cSld>
@@ -3633,6 +3857,38 @@
               <a:rPr lang="en-US" dirty="0"/>
               <a:t>Admin 0 – Countries</a:t>
             </a:r>
+          </a:p>
+          <a:p>
+            <a:r>
+              <a:rPr lang="en-US" b="0" i="0" u="sng" strike="noStrike" dirty="0">
+                <a:solidFill>
+                  <a:srgbClr val="1155CC"/>
+                </a:solidFill>
+                <a:effectLst/>
+                <a:hlinkClick r:id="rId4"/>
+              </a:rPr>
+              <a:t>https://climate.nasa.gov/vital-signs/global-temperature/?intent=121</a:t>
+            </a:r>
+            <a:r>
+              <a:rPr lang="en-US" b="0" i="0" u="none" strike="noStrike" dirty="0">
+                <a:solidFill>
+                  <a:srgbClr val="000000"/>
+                </a:solidFill>
+                <a:effectLst/>
+              </a:rPr>
+              <a:t> </a:t>
+            </a:r>
+          </a:p>
+          <a:p>
+            <a:r>
+              <a:rPr lang="en-US" dirty="0">
+                <a:solidFill>
+                  <a:srgbClr val="000000"/>
+                </a:solidFill>
+              </a:rPr>
+              <a:t>Global Temperature Average from Nasa</a:t>
+            </a:r>
+            <a:endParaRPr lang="en-US" dirty="0"/>
           </a:p>
         </p:txBody>
       </p:sp>
@@ -5316,15 +5572,7 @@
           <a:p>
             <a:r>
               <a:rPr lang="en-US" dirty="0"/>
-              <a:t>Explanation in </a:t>
-            </a:r>
-            <a:r>
-              <a:rPr lang="en-US" dirty="0" err="1"/>
-              <a:t>Jupyter</a:t>
-            </a:r>
-            <a:r>
-              <a:rPr lang="en-US" dirty="0"/>
-              <a:t> Notebook</a:t>
+              <a:t>Explanation in Jupyter Notebook</a:t>
             </a:r>
           </a:p>
           <a:p>
@@ -5367,7 +5615,7 @@
           <p:cNvPr id="2" name="Title 1">
             <a:extLst>
               <a:ext uri="{FF2B5EF4-FFF2-40B4-BE49-F238E27FC236}">
-                <a16:creationId xmlns:a16="http://schemas.microsoft.com/office/drawing/2014/main" id="{736CF43A-BE67-F11F-8E21-5D79F7402371}"/>
+                <a16:creationId xmlns:a16="http://schemas.microsoft.com/office/drawing/2014/main" id="{7246F488-438B-E51D-2502-5C1638B3F6A6}"/>
               </a:ext>
             </a:extLst>
           </p:cNvPr>
@@ -5384,42 +5632,75 @@
           <a:lstStyle/>
           <a:p>
             <a:r>
-              <a:rPr lang="en-US" dirty="0" err="1"/>
-              <a:t>PowerBI</a:t>
+              <a:rPr lang="en-US" dirty="0"/>
+              <a:t>What is Climate Change?</a:t>
+            </a:r>
+          </a:p>
+        </p:txBody>
+      </p:sp>
+      <p:sp>
+        <p:nvSpPr>
+          <p:cNvPr id="3" name="Content Placeholder 2">
+            <a:extLst>
+              <a:ext uri="{FF2B5EF4-FFF2-40B4-BE49-F238E27FC236}">
+                <a16:creationId xmlns:a16="http://schemas.microsoft.com/office/drawing/2014/main" id="{70EF5F34-E104-2269-771A-0E266E1498F1}"/>
+              </a:ext>
+            </a:extLst>
+          </p:cNvPr>
+          <p:cNvSpPr>
+            <a:spLocks noGrp="1"/>
+          </p:cNvSpPr>
+          <p:nvPr>
+            <p:ph idx="1"/>
+          </p:nvPr>
+        </p:nvSpPr>
+        <p:spPr/>
+        <p:txBody>
+          <a:bodyPr/>
+          <a:lstStyle/>
+          <a:p>
+            <a:r>
+              <a:rPr lang="en-US" dirty="0"/>
+              <a:t>Climate change is a long-term shift in global temperatures and weather patterns</a:t>
+            </a:r>
+          </a:p>
+          <a:p>
+            <a:r>
+              <a:rPr lang="en-US" dirty="0"/>
+              <a:t>Human behavior is the main driving force behind climate change</a:t>
+            </a:r>
+          </a:p>
+          <a:p>
+            <a:r>
+              <a:rPr lang="en-US" dirty="0"/>
+              <a:t>The shift in global temperature increases started in the 1800s during the dawn of the industrial revolution</a:t>
+            </a:r>
+          </a:p>
+          <a:p>
+            <a:pPr lvl="1"/>
+            <a:r>
+              <a:rPr lang="en-US" dirty="0"/>
+              <a:t>Which is when humans began to use fossil fuels</a:t>
+            </a:r>
+          </a:p>
+          <a:p>
+            <a:pPr lvl="1"/>
+            <a:r>
+              <a:rPr lang="en-US" dirty="0"/>
+              <a:t>Such as </a:t>
+            </a:r>
+            <a:r>
+              <a:rPr lang="en-US" b="1" dirty="0"/>
+              <a:t>Coal</a:t>
             </a:r>
             <a:endParaRPr lang="en-US" dirty="0"/>
-          </a:p>
-        </p:txBody>
-      </p:sp>
-      <p:sp>
-        <p:nvSpPr>
-          <p:cNvPr id="3" name="Content Placeholder 2">
-            <a:extLst>
-              <a:ext uri="{FF2B5EF4-FFF2-40B4-BE49-F238E27FC236}">
-                <a16:creationId xmlns:a16="http://schemas.microsoft.com/office/drawing/2014/main" id="{26FC1D10-7426-9E70-7A8B-60A7EF8AA044}"/>
-              </a:ext>
-            </a:extLst>
-          </p:cNvPr>
-          <p:cNvSpPr>
-            <a:spLocks noGrp="1"/>
-          </p:cNvSpPr>
-          <p:nvPr>
-            <p:ph idx="1"/>
-          </p:nvPr>
-        </p:nvSpPr>
-        <p:spPr/>
-        <p:txBody>
-          <a:bodyPr/>
-          <a:lstStyle/>
-          <a:p>
-            <a:endParaRPr lang="en-US"/>
           </a:p>
         </p:txBody>
       </p:sp>
     </p:spTree>
     <p:extLst>
       <p:ext uri="{BB962C8B-B14F-4D97-AF65-F5344CB8AC3E}">
-        <p14:creationId xmlns:p14="http://schemas.microsoft.com/office/powerpoint/2010/main" val="42088563"/>
+        <p14:creationId xmlns:p14="http://schemas.microsoft.com/office/powerpoint/2010/main" val="3615798248"/>
       </p:ext>
     </p:extLst>
   </p:cSld>
@@ -5430,6 +5711,192 @@
 </file>
 
 <file path=ppt/slides/slide8.xml><?xml version="1.0" encoding="utf-8"?>
+<p:sld xmlns:a="http://schemas.openxmlformats.org/drawingml/2006/main" xmlns:r="http://schemas.openxmlformats.org/officeDocument/2006/relationships" xmlns:p="http://schemas.openxmlformats.org/presentationml/2006/main">
+  <p:cSld>
+    <p:bg>
+      <p:bgPr>
+        <a:solidFill>
+          <a:schemeClr val="bg1"/>
+        </a:solidFill>
+        <a:effectLst/>
+      </p:bgPr>
+    </p:bg>
+    <p:spTree>
+      <p:nvGrpSpPr>
+        <p:cNvPr id="1" name=""/>
+        <p:cNvGrpSpPr/>
+        <p:nvPr/>
+      </p:nvGrpSpPr>
+      <p:grpSpPr>
+        <a:xfrm>
+          <a:off x="0" y="0"/>
+          <a:ext cx="0" cy="0"/>
+          <a:chOff x="0" y="0"/>
+          <a:chExt cx="0" cy="0"/>
+        </a:xfrm>
+      </p:grpSpPr>
+      <p:sp>
+        <p:nvSpPr>
+          <p:cNvPr id="10" name="Down Arrow 7">
+            <a:extLst>
+              <a:ext uri="{FF2B5EF4-FFF2-40B4-BE49-F238E27FC236}">
+                <a16:creationId xmlns:a16="http://schemas.microsoft.com/office/drawing/2014/main" id="{D4771268-CB57-404A-9271-370EB28F6090}"/>
+              </a:ext>
+              <a:ext uri="{C183D7F6-B498-43B3-948B-1728B52AA6E4}">
+                <adec:decorative xmlns:adec="http://schemas.microsoft.com/office/drawing/2017/decorative" val="1"/>
+              </a:ext>
+            </a:extLst>
+          </p:cNvPr>
+          <p:cNvSpPr>
+            <a:spLocks noGrp="1" noRot="1" noChangeAspect="1" noMove="1" noResize="1" noEditPoints="1" noAdjustHandles="1" noChangeArrowheads="1" noChangeShapeType="1" noTextEdit="1"/>
+          </p:cNvSpPr>
+          <p:nvPr>
+            <p:extLst>
+              <p:ext uri="{386F3935-93C4-4BCD-93E2-E3B085C9AB24}">
+                <p16:designElem xmlns:p16="http://schemas.microsoft.com/office/powerpoint/2015/main" val="1"/>
+              </p:ext>
+            </p:extLst>
+          </p:nvPr>
+        </p:nvSpPr>
+        <p:spPr>
+          <a:xfrm rot="16200000">
+            <a:off x="800100" y="1491343"/>
+            <a:ext cx="3333749" cy="3499103"/>
+          </a:xfrm>
+          <a:prstGeom prst="downArrow">
+            <a:avLst>
+              <a:gd name="adj1" fmla="val 100000"/>
+              <a:gd name="adj2" fmla="val 15788"/>
+            </a:avLst>
+          </a:prstGeom>
+          <a:solidFill>
+            <a:srgbClr val="404040"/>
+          </a:solidFill>
+          <a:ln w="53975">
+            <a:noFill/>
+          </a:ln>
+        </p:spPr>
+        <p:style>
+          <a:lnRef idx="2">
+            <a:schemeClr val="accent1">
+              <a:shade val="50000"/>
+            </a:schemeClr>
+          </a:lnRef>
+          <a:fillRef idx="1">
+            <a:schemeClr val="accent1"/>
+          </a:fillRef>
+          <a:effectRef idx="0">
+            <a:schemeClr val="accent1"/>
+          </a:effectRef>
+          <a:fontRef idx="minor">
+            <a:schemeClr val="lt1"/>
+          </a:fontRef>
+        </p:style>
+        <p:txBody>
+          <a:bodyPr rtlCol="0" anchor="ctr"/>
+          <a:lstStyle/>
+          <a:p>
+            <a:pPr algn="ctr"/>
+            <a:endParaRPr lang="en-US"/>
+          </a:p>
+        </p:txBody>
+      </p:sp>
+      <p:sp>
+        <p:nvSpPr>
+          <p:cNvPr id="2" name="Title 1">
+            <a:extLst>
+              <a:ext uri="{FF2B5EF4-FFF2-40B4-BE49-F238E27FC236}">
+                <a16:creationId xmlns:a16="http://schemas.microsoft.com/office/drawing/2014/main" id="{F9BBBFB7-8D4F-A07E-C9A6-4FD4BA56504D}"/>
+              </a:ext>
+            </a:extLst>
+          </p:cNvPr>
+          <p:cNvSpPr>
+            <a:spLocks noGrp="1"/>
+          </p:cNvSpPr>
+          <p:nvPr>
+            <p:ph type="title"/>
+          </p:nvPr>
+        </p:nvSpPr>
+        <p:spPr>
+          <a:xfrm>
+            <a:off x="1028700" y="1967266"/>
+            <a:ext cx="2628900" cy="2547257"/>
+          </a:xfrm>
+          <a:noFill/>
+        </p:spPr>
+        <p:txBody>
+          <a:bodyPr vert="horz" lIns="91440" tIns="45720" rIns="91440" bIns="45720" rtlCol="0" anchor="ctr">
+            <a:normAutofit/>
+          </a:bodyPr>
+          <a:lstStyle/>
+          <a:p>
+            <a:pPr algn="ctr"/>
+            <a:r>
+              <a:rPr lang="en-US" sz="3300" kern="1200">
+                <a:solidFill>
+                  <a:srgbClr val="FFFFFF"/>
+                </a:solidFill>
+                <a:latin typeface="+mj-lt"/>
+                <a:ea typeface="+mj-ea"/>
+                <a:cs typeface="+mj-cs"/>
+              </a:rPr>
+              <a:t>Global Temperature Increases</a:t>
+            </a:r>
+          </a:p>
+        </p:txBody>
+      </p:sp>
+      <p:pic>
+        <p:nvPicPr>
+          <p:cNvPr id="5" name="Content Placeholder 4" descr="A graph showing a line of orange and white&#10;&#10;Description automatically generated with medium confidence">
+            <a:extLst>
+              <a:ext uri="{FF2B5EF4-FFF2-40B4-BE49-F238E27FC236}">
+                <a16:creationId xmlns:a16="http://schemas.microsoft.com/office/drawing/2014/main" id="{2A387A33-44F3-9BC0-755A-C656E0309F55}"/>
+              </a:ext>
+            </a:extLst>
+          </p:cNvPr>
+          <p:cNvPicPr>
+            <a:picLocks noGrp="1" noChangeAspect="1"/>
+          </p:cNvPicPr>
+          <p:nvPr>
+            <p:ph idx="1"/>
+          </p:nvPr>
+        </p:nvPicPr>
+        <p:blipFill>
+          <a:blip r:embed="rId2">
+            <a:extLst>
+              <a:ext uri="{28A0092B-C50C-407E-A947-70E740481C1C}">
+                <a14:useLocalDpi xmlns:a14="http://schemas.microsoft.com/office/drawing/2010/main" val="0"/>
+              </a:ext>
+            </a:extLst>
+          </a:blip>
+          <a:stretch>
+            <a:fillRect/>
+          </a:stretch>
+        </p:blipFill>
+        <p:spPr>
+          <a:xfrm>
+            <a:off x="4777316" y="1529239"/>
+            <a:ext cx="6780700" cy="3797192"/>
+          </a:xfrm>
+          <a:prstGeom prst="rect">
+            <a:avLst/>
+          </a:prstGeom>
+        </p:spPr>
+      </p:pic>
+    </p:spTree>
+    <p:extLst>
+      <p:ext uri="{BB962C8B-B14F-4D97-AF65-F5344CB8AC3E}">
+        <p14:creationId xmlns:p14="http://schemas.microsoft.com/office/powerpoint/2010/main" val="903162734"/>
+      </p:ext>
+    </p:extLst>
+  </p:cSld>
+  <p:clrMapOvr>
+    <a:masterClrMapping/>
+  </p:clrMapOvr>
+</p:sld>
+</file>
+
+<file path=ppt/slides/slide9.xml><?xml version="1.0" encoding="utf-8"?>
 <p:sld xmlns:a="http://schemas.openxmlformats.org/drawingml/2006/main" xmlns:r="http://schemas.openxmlformats.org/officeDocument/2006/relationships" xmlns:p="http://schemas.openxmlformats.org/presentationml/2006/main">
   <p:cSld>
     <p:spTree>
@@ -5451,7 +5918,7 @@
           <p:cNvPr id="2" name="Title 1">
             <a:extLst>
               <a:ext uri="{FF2B5EF4-FFF2-40B4-BE49-F238E27FC236}">
-                <a16:creationId xmlns:a16="http://schemas.microsoft.com/office/drawing/2014/main" id="{A10F7D70-517E-82BF-6F4D-7E5543A2AA4B}"/>
+                <a16:creationId xmlns:a16="http://schemas.microsoft.com/office/drawing/2014/main" id="{736CF43A-BE67-F11F-8E21-5D79F7402371}"/>
               </a:ext>
             </a:extLst>
           </p:cNvPr>
@@ -5468,9 +5935,10 @@
           <a:lstStyle/>
           <a:p>
             <a:r>
-              <a:rPr lang="en-US" dirty="0"/>
-              <a:t>Sources</a:t>
-            </a:r>
+              <a:rPr lang="en-US" dirty="0" err="1"/>
+              <a:t>PowerBI</a:t>
+            </a:r>
+            <a:endParaRPr lang="en-US" dirty="0"/>
           </a:p>
         </p:txBody>
       </p:sp>
@@ -5479,7 +5947,7 @@
           <p:cNvPr id="3" name="Content Placeholder 2">
             <a:extLst>
               <a:ext uri="{FF2B5EF4-FFF2-40B4-BE49-F238E27FC236}">
-                <a16:creationId xmlns:a16="http://schemas.microsoft.com/office/drawing/2014/main" id="{E11D2B4E-5408-256B-43F6-3C3FC6B3B668}"/>
+                <a16:creationId xmlns:a16="http://schemas.microsoft.com/office/drawing/2014/main" id="{26FC1D10-7426-9E70-7A8B-60A7EF8AA044}"/>
               </a:ext>
             </a:extLst>
           </p:cNvPr>
@@ -5495,14 +5963,14 @@
           <a:bodyPr/>
           <a:lstStyle/>
           <a:p>
-            <a:endParaRPr lang="en-US" dirty="0"/>
+            <a:endParaRPr lang="en-US"/>
           </a:p>
         </p:txBody>
       </p:sp>
     </p:spTree>
     <p:extLst>
       <p:ext uri="{BB962C8B-B14F-4D97-AF65-F5344CB8AC3E}">
-        <p14:creationId xmlns:p14="http://schemas.microsoft.com/office/powerpoint/2010/main" val="242766817"/>
+        <p14:creationId xmlns:p14="http://schemas.microsoft.com/office/powerpoint/2010/main" val="42088563"/>
       </p:ext>
     </p:extLst>
   </p:cSld>

--- a/Climate Change Presentation.pptx
+++ b/Climate Change Presentation.pptx
@@ -17,8 +17,8 @@
     <p:sldId id="264" r:id="rId11"/>
     <p:sldId id="269" r:id="rId12"/>
     <p:sldId id="268" r:id="rId13"/>
-    <p:sldId id="258" r:id="rId14"/>
-    <p:sldId id="270" r:id="rId15"/>
+    <p:sldId id="270" r:id="rId14"/>
+    <p:sldId id="258" r:id="rId15"/>
   </p:sldIdLst>
   <p:sldSz cx="12192000" cy="6858000"/>
   <p:notesSz cx="6858000" cy="9144000"/>
@@ -3854,7 +3854,7 @@
 <file path=ppt/diagrams/data2.xml><?xml version="1.0" encoding="utf-8"?>
 <dgm:dataModel xmlns:dgm="http://schemas.openxmlformats.org/drawingml/2006/diagram" xmlns:a="http://schemas.openxmlformats.org/drawingml/2006/main">
   <dgm:ptLst>
-    <dgm:pt modelId="{DE0F958F-B12F-4F3F-8554-1DEC11DD4D67}" type="doc">
+    <dgm:pt modelId="{818AC205-6661-46B4-833D-9C0283D6E5A8}" type="doc">
       <dgm:prSet loTypeId="urn:microsoft.com/office/officeart/2018/2/layout/IconLabelList" loCatId="icon" qsTypeId="urn:microsoft.com/office/officeart/2005/8/quickstyle/simple1" qsCatId="simple" csTypeId="urn:microsoft.com/office/officeart/2018/5/colors/Iconchunking_neutralbg_accent1_2" csCatId="accent1" phldr="1"/>
       <dgm:spPr/>
       <dgm:t>
@@ -3865,18 +3865,13 @@
         </a:p>
       </dgm:t>
     </dgm:pt>
-    <dgm:pt modelId="{DDCB0720-981A-4CFF-879D-6F328948F524}">
+    <dgm:pt modelId="{5BC97B20-880A-47B0-A6C1-F7FBE035CBA4}">
       <dgm:prSet/>
       <dgm:spPr/>
       <dgm:t>
         <a:bodyPr/>
         <a:lstStyle/>
         <a:p>
-          <a:pPr>
-            <a:lnSpc>
-              <a:spcPct val="100000"/>
-            </a:lnSpc>
-          </a:pPr>
           <a:r>
             <a:rPr lang="en-US" dirty="0"/>
             <a:t>One of the highest gCO2/KWH Power Sources</a:t>
@@ -3884,7 +3879,7 @@
         </a:p>
       </dgm:t>
     </dgm:pt>
-    <dgm:pt modelId="{9988B8F3-8BE1-45A3-8E85-6CEC6B088C1F}" type="parTrans" cxnId="{000B999F-A8E3-41B0-ADB0-D3AD769C2595}">
+    <dgm:pt modelId="{34B59F14-ED60-4547-8A21-B9A1C216CB6F}" type="parTrans" cxnId="{E6923689-C9DD-4087-9780-44A10A34E11D}">
       <dgm:prSet/>
       <dgm:spPr/>
       <dgm:t>
@@ -3895,7 +3890,7 @@
         </a:p>
       </dgm:t>
     </dgm:pt>
-    <dgm:pt modelId="{FBE87C1B-D7D0-4371-8DC4-32D7DC659E84}" type="sibTrans" cxnId="{000B999F-A8E3-41B0-ADB0-D3AD769C2595}">
+    <dgm:pt modelId="{A9348D6E-C228-499A-BFAC-112ED4A2A56F}" type="sibTrans" cxnId="{E6923689-C9DD-4087-9780-44A10A34E11D}">
       <dgm:prSet/>
       <dgm:spPr/>
       <dgm:t>
@@ -3906,26 +3901,21 @@
         </a:p>
       </dgm:t>
     </dgm:pt>
-    <dgm:pt modelId="{41AD6759-4B47-4213-8A81-63E4423FBB28}">
+    <dgm:pt modelId="{5B3C6B72-6E07-43A7-93DE-A633A3326566}">
       <dgm:prSet/>
       <dgm:spPr/>
       <dgm:t>
         <a:bodyPr/>
         <a:lstStyle/>
         <a:p>
-          <a:pPr>
-            <a:lnSpc>
-              <a:spcPct val="100000"/>
-            </a:lnSpc>
-          </a:pPr>
           <a:r>
-            <a:rPr lang="en-US"/>
-            <a:t>Cheaper than other power sources</a:t>
+            <a:rPr lang="en-US" dirty="0"/>
+            <a:t>Brings electricity to those who don’t have it</a:t>
           </a:r>
         </a:p>
       </dgm:t>
     </dgm:pt>
-    <dgm:pt modelId="{A8379338-42AE-4217-B7ED-F949C858B35B}" type="parTrans" cxnId="{D3F594BF-7244-420F-9A96-421717852060}">
+    <dgm:pt modelId="{2F0D3365-2D08-42B0-B5A0-5B3E0FC20806}" type="parTrans" cxnId="{5E1CF161-228F-4A7A-876B-87DE51595943}">
       <dgm:prSet/>
       <dgm:spPr/>
       <dgm:t>
@@ -3936,7 +3926,7 @@
         </a:p>
       </dgm:t>
     </dgm:pt>
-    <dgm:pt modelId="{5C8914BC-8CBC-450C-826D-CC863D350D7C}" type="sibTrans" cxnId="{D3F594BF-7244-420F-9A96-421717852060}">
+    <dgm:pt modelId="{88812749-0F67-4254-A274-688247F12F89}" type="sibTrans" cxnId="{5E1CF161-228F-4A7A-876B-87DE51595943}">
       <dgm:prSet/>
       <dgm:spPr/>
       <dgm:t>
@@ -3947,8 +3937,44 @@
         </a:p>
       </dgm:t>
     </dgm:pt>
-    <dgm:pt modelId="{A2172581-A7FB-47C5-8340-5BB7CED4B9A8}" type="pres">
-      <dgm:prSet presAssocID="{DE0F958F-B12F-4F3F-8554-1DEC11DD4D67}" presName="root" presStyleCnt="0">
+    <dgm:pt modelId="{81AEE092-7C40-4737-8EC3-4AEF2FDD8394}">
+      <dgm:prSet/>
+      <dgm:spPr/>
+      <dgm:t>
+        <a:bodyPr/>
+        <a:lstStyle/>
+        <a:p>
+          <a:r>
+            <a:rPr lang="en-US" dirty="0"/>
+            <a:t>Cheaper than other power sources</a:t>
+          </a:r>
+        </a:p>
+      </dgm:t>
+    </dgm:pt>
+    <dgm:pt modelId="{3D8BAC26-8BC0-4982-9A7F-B34449CDC8F2}" type="parTrans" cxnId="{FDFE61D4-3411-47C9-B7DC-7D1E1DD10BE9}">
+      <dgm:prSet/>
+      <dgm:spPr/>
+      <dgm:t>
+        <a:bodyPr/>
+        <a:lstStyle/>
+        <a:p>
+          <a:endParaRPr lang="en-US"/>
+        </a:p>
+      </dgm:t>
+    </dgm:pt>
+    <dgm:pt modelId="{4EC1B3B3-0646-4AEC-91B5-F29AEEF0D68B}" type="sibTrans" cxnId="{FDFE61D4-3411-47C9-B7DC-7D1E1DD10BE9}">
+      <dgm:prSet/>
+      <dgm:spPr/>
+      <dgm:t>
+        <a:bodyPr/>
+        <a:lstStyle/>
+        <a:p>
+          <a:endParaRPr lang="en-US"/>
+        </a:p>
+      </dgm:t>
+    </dgm:pt>
+    <dgm:pt modelId="{AD13B094-7E47-4FBB-B554-F9D3D25B9D9D}" type="pres">
+      <dgm:prSet presAssocID="{818AC205-6661-46B4-833D-9C0283D6E5A8}" presName="root" presStyleCnt="0">
         <dgm:presLayoutVars>
           <dgm:dir/>
           <dgm:resizeHandles val="exact"/>
@@ -3956,12 +3982,12 @@
       </dgm:prSet>
       <dgm:spPr/>
     </dgm:pt>
-    <dgm:pt modelId="{583F7FEE-9073-42EF-9EB4-E08E3DB88B93}" type="pres">
-      <dgm:prSet presAssocID="{DDCB0720-981A-4CFF-879D-6F328948F524}" presName="compNode" presStyleCnt="0"/>
+    <dgm:pt modelId="{27FAFA73-E3DE-46B0-9A82-0950E9092E7D}" type="pres">
+      <dgm:prSet presAssocID="{5BC97B20-880A-47B0-A6C1-F7FBE035CBA4}" presName="compNode" presStyleCnt="0"/>
       <dgm:spPr/>
     </dgm:pt>
-    <dgm:pt modelId="{7AAFE75C-73EF-4015-A956-8A0DAA797D23}" type="pres">
-      <dgm:prSet presAssocID="{DDCB0720-981A-4CFF-879D-6F328948F524}" presName="iconRect" presStyleLbl="node1" presStyleIdx="0" presStyleCnt="2"/>
+    <dgm:pt modelId="{0235DCF9-D00A-4EC0-9AD1-D31B928CFD30}" type="pres">
+      <dgm:prSet presAssocID="{5BC97B20-880A-47B0-A6C1-F7FBE035CBA4}" presName="iconRect" presStyleLbl="node1" presStyleIdx="0" presStyleCnt="3"/>
       <dgm:spPr>
         <a:blipFill>
           <a:blip xmlns:r="http://schemas.openxmlformats.org/officeDocument/2006/relationships" r:embed="rId1">
@@ -3988,12 +4014,12 @@
         </a:ext>
       </dgm:extLst>
     </dgm:pt>
-    <dgm:pt modelId="{C0F40106-0434-445E-B27C-9751935B8ABA}" type="pres">
-      <dgm:prSet presAssocID="{DDCB0720-981A-4CFF-879D-6F328948F524}" presName="spaceRect" presStyleCnt="0"/>
+    <dgm:pt modelId="{643C1F66-E20E-4990-9A27-0DA99A82B9A8}" type="pres">
+      <dgm:prSet presAssocID="{5BC97B20-880A-47B0-A6C1-F7FBE035CBA4}" presName="spaceRect" presStyleCnt="0"/>
       <dgm:spPr/>
     </dgm:pt>
-    <dgm:pt modelId="{882EA9A5-EFA3-4150-8C10-CDEC1092CBE3}" type="pres">
-      <dgm:prSet presAssocID="{DDCB0720-981A-4CFF-879D-6F328948F524}" presName="textRect" presStyleLbl="revTx" presStyleIdx="0" presStyleCnt="2">
+    <dgm:pt modelId="{AB804D25-39B7-4B6C-8CC1-9DE519E2F271}" type="pres">
+      <dgm:prSet presAssocID="{5BC97B20-880A-47B0-A6C1-F7FBE035CBA4}" presName="textRect" presStyleLbl="revTx" presStyleIdx="0" presStyleCnt="3">
         <dgm:presLayoutVars>
           <dgm:chMax val="1"/>
           <dgm:chPref val="1"/>
@@ -4001,16 +4027,16 @@
       </dgm:prSet>
       <dgm:spPr/>
     </dgm:pt>
-    <dgm:pt modelId="{22A8C80B-E603-45A7-AA5E-2B1CFFDF6660}" type="pres">
-      <dgm:prSet presAssocID="{FBE87C1B-D7D0-4371-8DC4-32D7DC659E84}" presName="sibTrans" presStyleCnt="0"/>
+    <dgm:pt modelId="{032D8023-09BB-4A9F-86F8-BB052AD98E22}" type="pres">
+      <dgm:prSet presAssocID="{A9348D6E-C228-499A-BFAC-112ED4A2A56F}" presName="sibTrans" presStyleCnt="0"/>
       <dgm:spPr/>
     </dgm:pt>
-    <dgm:pt modelId="{E03F75EE-83A5-4EF2-9846-D5DEF57D8D61}" type="pres">
-      <dgm:prSet presAssocID="{41AD6759-4B47-4213-8A81-63E4423FBB28}" presName="compNode" presStyleCnt="0"/>
+    <dgm:pt modelId="{AEEABC97-A29B-4D36-A46D-3B422A6F4C9E}" type="pres">
+      <dgm:prSet presAssocID="{5B3C6B72-6E07-43A7-93DE-A633A3326566}" presName="compNode" presStyleCnt="0"/>
       <dgm:spPr/>
     </dgm:pt>
-    <dgm:pt modelId="{F8061B21-1D0E-4527-B0EC-3E0F56ED576A}" type="pres">
-      <dgm:prSet presAssocID="{41AD6759-4B47-4213-8A81-63E4423FBB28}" presName="iconRect" presStyleLbl="node1" presStyleIdx="1" presStyleCnt="2"/>
+    <dgm:pt modelId="{E132AEC1-4608-4887-A19A-F6D3563241B5}" type="pres">
+      <dgm:prSet presAssocID="{5B3C6B72-6E07-43A7-93DE-A633A3326566}" presName="iconRect" presStyleLbl="node1" presStyleIdx="1" presStyleCnt="3"/>
       <dgm:spPr>
         <a:blipFill>
           <a:blip xmlns:r="http://schemas.openxmlformats.org/officeDocument/2006/relationships" r:embed="rId3">
@@ -4033,16 +4059,65 @@
       </dgm:spPr>
       <dgm:extLst>
         <a:ext uri="{E40237B7-FDA0-4F09-8148-C483321AD2D9}">
+          <dgm14:cNvPr xmlns:dgm14="http://schemas.microsoft.com/office/drawing/2010/diagram" id="0" name="" descr="Group"/>
+        </a:ext>
+      </dgm:extLst>
+    </dgm:pt>
+    <dgm:pt modelId="{DC411A69-5DB3-4F2C-9595-3A1991C43E2B}" type="pres">
+      <dgm:prSet presAssocID="{5B3C6B72-6E07-43A7-93DE-A633A3326566}" presName="spaceRect" presStyleCnt="0"/>
+      <dgm:spPr/>
+    </dgm:pt>
+    <dgm:pt modelId="{873FC61B-B079-4003-B636-904257EF07C8}" type="pres">
+      <dgm:prSet presAssocID="{5B3C6B72-6E07-43A7-93DE-A633A3326566}" presName="textRect" presStyleLbl="revTx" presStyleIdx="1" presStyleCnt="3">
+        <dgm:presLayoutVars>
+          <dgm:chMax val="1"/>
+          <dgm:chPref val="1"/>
+        </dgm:presLayoutVars>
+      </dgm:prSet>
+      <dgm:spPr/>
+    </dgm:pt>
+    <dgm:pt modelId="{619474C2-9675-4248-B6F2-0E2FAB57CE00}" type="pres">
+      <dgm:prSet presAssocID="{88812749-0F67-4254-A274-688247F12F89}" presName="sibTrans" presStyleCnt="0"/>
+      <dgm:spPr/>
+    </dgm:pt>
+    <dgm:pt modelId="{4EAFC7EB-E7E7-457D-86C2-F243011BB915}" type="pres">
+      <dgm:prSet presAssocID="{81AEE092-7C40-4737-8EC3-4AEF2FDD8394}" presName="compNode" presStyleCnt="0"/>
+      <dgm:spPr/>
+    </dgm:pt>
+    <dgm:pt modelId="{AC8A8F24-7B2B-4539-B049-51BAB4D2A715}" type="pres">
+      <dgm:prSet presAssocID="{81AEE092-7C40-4737-8EC3-4AEF2FDD8394}" presName="iconRect" presStyleLbl="node1" presStyleIdx="2" presStyleCnt="3"/>
+      <dgm:spPr>
+        <a:blipFill>
+          <a:blip xmlns:r="http://schemas.openxmlformats.org/officeDocument/2006/relationships" r:embed="rId5">
+            <a:extLst>
+              <a:ext uri="{28A0092B-C50C-407E-A947-70E740481C1C}">
+                <a14:useLocalDpi xmlns:a14="http://schemas.microsoft.com/office/drawing/2010/main" val="0"/>
+              </a:ext>
+              <a:ext uri="{96DAC541-7B7A-43D3-8B79-37D633B846F1}">
+                <asvg:svgBlip xmlns:asvg="http://schemas.microsoft.com/office/drawing/2016/SVG/main" r:embed="rId6"/>
+              </a:ext>
+            </a:extLst>
+          </a:blip>
+          <a:stretch>
+            <a:fillRect/>
+          </a:stretch>
+        </a:blipFill>
+        <a:ln>
+          <a:noFill/>
+        </a:ln>
+      </dgm:spPr>
+      <dgm:extLst>
+        <a:ext uri="{E40237B7-FDA0-4F09-8148-C483321AD2D9}">
           <dgm14:cNvPr xmlns:dgm14="http://schemas.microsoft.com/office/drawing/2010/diagram" id="0" name="" descr="Money"/>
         </a:ext>
       </dgm:extLst>
     </dgm:pt>
-    <dgm:pt modelId="{AD15B51F-CDB6-49F8-8DFD-68482BCA817F}" type="pres">
-      <dgm:prSet presAssocID="{41AD6759-4B47-4213-8A81-63E4423FBB28}" presName="spaceRect" presStyleCnt="0"/>
+    <dgm:pt modelId="{D11D78AB-B810-4BC4-83EA-354D6B3CA21F}" type="pres">
+      <dgm:prSet presAssocID="{81AEE092-7C40-4737-8EC3-4AEF2FDD8394}" presName="spaceRect" presStyleCnt="0"/>
       <dgm:spPr/>
     </dgm:pt>
-    <dgm:pt modelId="{BEB143C8-C362-4001-A70B-E5CDAA3A7ADA}" type="pres">
-      <dgm:prSet presAssocID="{41AD6759-4B47-4213-8A81-63E4423FBB28}" presName="textRect" presStyleLbl="revTx" presStyleIdx="1" presStyleCnt="2">
+    <dgm:pt modelId="{BC5FD202-A28A-4F79-BD65-9D0090D539F1}" type="pres">
+      <dgm:prSet presAssocID="{81AEE092-7C40-4737-8EC3-4AEF2FDD8394}" presName="textRect" presStyleLbl="revTx" presStyleIdx="2" presStyleCnt="3">
         <dgm:presLayoutVars>
           <dgm:chMax val="1"/>
           <dgm:chPref val="1"/>
@@ -4052,20 +4127,27 @@
     </dgm:pt>
   </dgm:ptLst>
   <dgm:cxnLst>
-    <dgm:cxn modelId="{C036D85F-84A1-4CB8-B4B6-297206B052F4}" type="presOf" srcId="{DE0F958F-B12F-4F3F-8554-1DEC11DD4D67}" destId="{A2172581-A7FB-47C5-8340-5BB7CED4B9A8}" srcOrd="0" destOrd="0" presId="urn:microsoft.com/office/officeart/2018/2/layout/IconLabelList"/>
-    <dgm:cxn modelId="{53069A41-77A7-4BFB-B699-ECD908323D42}" type="presOf" srcId="{DDCB0720-981A-4CFF-879D-6F328948F524}" destId="{882EA9A5-EFA3-4150-8C10-CDEC1092CBE3}" srcOrd="0" destOrd="0" presId="urn:microsoft.com/office/officeart/2018/2/layout/IconLabelList"/>
-    <dgm:cxn modelId="{000B999F-A8E3-41B0-ADB0-D3AD769C2595}" srcId="{DE0F958F-B12F-4F3F-8554-1DEC11DD4D67}" destId="{DDCB0720-981A-4CFF-879D-6F328948F524}" srcOrd="0" destOrd="0" parTransId="{9988B8F3-8BE1-45A3-8E85-6CEC6B088C1F}" sibTransId="{FBE87C1B-D7D0-4371-8DC4-32D7DC659E84}"/>
-    <dgm:cxn modelId="{1130F7AB-C173-4778-8A5F-128CECF32AC4}" type="presOf" srcId="{41AD6759-4B47-4213-8A81-63E4423FBB28}" destId="{BEB143C8-C362-4001-A70B-E5CDAA3A7ADA}" srcOrd="0" destOrd="0" presId="urn:microsoft.com/office/officeart/2018/2/layout/IconLabelList"/>
-    <dgm:cxn modelId="{D3F594BF-7244-420F-9A96-421717852060}" srcId="{DE0F958F-B12F-4F3F-8554-1DEC11DD4D67}" destId="{41AD6759-4B47-4213-8A81-63E4423FBB28}" srcOrd="1" destOrd="0" parTransId="{A8379338-42AE-4217-B7ED-F949C858B35B}" sibTransId="{5C8914BC-8CBC-450C-826D-CC863D350D7C}"/>
-    <dgm:cxn modelId="{FF9920EF-0A93-4905-B835-438629079874}" type="presParOf" srcId="{A2172581-A7FB-47C5-8340-5BB7CED4B9A8}" destId="{583F7FEE-9073-42EF-9EB4-E08E3DB88B93}" srcOrd="0" destOrd="0" presId="urn:microsoft.com/office/officeart/2018/2/layout/IconLabelList"/>
-    <dgm:cxn modelId="{CAED92D3-D7BB-46B5-B2B8-A4A6400112FC}" type="presParOf" srcId="{583F7FEE-9073-42EF-9EB4-E08E3DB88B93}" destId="{7AAFE75C-73EF-4015-A956-8A0DAA797D23}" srcOrd="0" destOrd="0" presId="urn:microsoft.com/office/officeart/2018/2/layout/IconLabelList"/>
-    <dgm:cxn modelId="{DCABCA28-A583-4C8B-A52C-2F58A38B01C6}" type="presParOf" srcId="{583F7FEE-9073-42EF-9EB4-E08E3DB88B93}" destId="{C0F40106-0434-445E-B27C-9751935B8ABA}" srcOrd="1" destOrd="0" presId="urn:microsoft.com/office/officeart/2018/2/layout/IconLabelList"/>
-    <dgm:cxn modelId="{71DB4296-CD75-405C-95FB-23D6C0ABE022}" type="presParOf" srcId="{583F7FEE-9073-42EF-9EB4-E08E3DB88B93}" destId="{882EA9A5-EFA3-4150-8C10-CDEC1092CBE3}" srcOrd="2" destOrd="0" presId="urn:microsoft.com/office/officeart/2018/2/layout/IconLabelList"/>
-    <dgm:cxn modelId="{9E06FE60-1E66-426B-AE65-1BCAEBD224F0}" type="presParOf" srcId="{A2172581-A7FB-47C5-8340-5BB7CED4B9A8}" destId="{22A8C80B-E603-45A7-AA5E-2B1CFFDF6660}" srcOrd="1" destOrd="0" presId="urn:microsoft.com/office/officeart/2018/2/layout/IconLabelList"/>
-    <dgm:cxn modelId="{50C34EA0-5C2B-46AC-965C-6DC26235CD2E}" type="presParOf" srcId="{A2172581-A7FB-47C5-8340-5BB7CED4B9A8}" destId="{E03F75EE-83A5-4EF2-9846-D5DEF57D8D61}" srcOrd="2" destOrd="0" presId="urn:microsoft.com/office/officeart/2018/2/layout/IconLabelList"/>
-    <dgm:cxn modelId="{0A6346E1-7391-400C-8483-D541BA624BB3}" type="presParOf" srcId="{E03F75EE-83A5-4EF2-9846-D5DEF57D8D61}" destId="{F8061B21-1D0E-4527-B0EC-3E0F56ED576A}" srcOrd="0" destOrd="0" presId="urn:microsoft.com/office/officeart/2018/2/layout/IconLabelList"/>
-    <dgm:cxn modelId="{24CD39A4-6103-4F72-858E-625FC6F297F6}" type="presParOf" srcId="{E03F75EE-83A5-4EF2-9846-D5DEF57D8D61}" destId="{AD15B51F-CDB6-49F8-8DFD-68482BCA817F}" srcOrd="1" destOrd="0" presId="urn:microsoft.com/office/officeart/2018/2/layout/IconLabelList"/>
-    <dgm:cxn modelId="{A77FAF73-E4E2-49F3-80D5-72709E19C064}" type="presParOf" srcId="{E03F75EE-83A5-4EF2-9846-D5DEF57D8D61}" destId="{BEB143C8-C362-4001-A70B-E5CDAA3A7ADA}" srcOrd="2" destOrd="0" presId="urn:microsoft.com/office/officeart/2018/2/layout/IconLabelList"/>
+    <dgm:cxn modelId="{D7A32302-AC48-42A0-B9C0-03F6D22576EF}" type="presOf" srcId="{81AEE092-7C40-4737-8EC3-4AEF2FDD8394}" destId="{BC5FD202-A28A-4F79-BD65-9D0090D539F1}" srcOrd="0" destOrd="0" presId="urn:microsoft.com/office/officeart/2018/2/layout/IconLabelList"/>
+    <dgm:cxn modelId="{5E1CF161-228F-4A7A-876B-87DE51595943}" srcId="{818AC205-6661-46B4-833D-9C0283D6E5A8}" destId="{5B3C6B72-6E07-43A7-93DE-A633A3326566}" srcOrd="1" destOrd="0" parTransId="{2F0D3365-2D08-42B0-B5A0-5B3E0FC20806}" sibTransId="{88812749-0F67-4254-A274-688247F12F89}"/>
+    <dgm:cxn modelId="{E6923689-C9DD-4087-9780-44A10A34E11D}" srcId="{818AC205-6661-46B4-833D-9C0283D6E5A8}" destId="{5BC97B20-880A-47B0-A6C1-F7FBE035CBA4}" srcOrd="0" destOrd="0" parTransId="{34B59F14-ED60-4547-8A21-B9A1C216CB6F}" sibTransId="{A9348D6E-C228-499A-BFAC-112ED4A2A56F}"/>
+    <dgm:cxn modelId="{5B97BEA3-279B-4E68-8020-AE79E81C7DB1}" type="presOf" srcId="{5B3C6B72-6E07-43A7-93DE-A633A3326566}" destId="{873FC61B-B079-4003-B636-904257EF07C8}" srcOrd="0" destOrd="0" presId="urn:microsoft.com/office/officeart/2018/2/layout/IconLabelList"/>
+    <dgm:cxn modelId="{FDFE61D4-3411-47C9-B7DC-7D1E1DD10BE9}" srcId="{818AC205-6661-46B4-833D-9C0283D6E5A8}" destId="{81AEE092-7C40-4737-8EC3-4AEF2FDD8394}" srcOrd="2" destOrd="0" parTransId="{3D8BAC26-8BC0-4982-9A7F-B34449CDC8F2}" sibTransId="{4EC1B3B3-0646-4AEC-91B5-F29AEEF0D68B}"/>
+    <dgm:cxn modelId="{F51C86D9-1EA1-4EA3-B0C7-DDA40967DD2E}" type="presOf" srcId="{818AC205-6661-46B4-833D-9C0283D6E5A8}" destId="{AD13B094-7E47-4FBB-B554-F9D3D25B9D9D}" srcOrd="0" destOrd="0" presId="urn:microsoft.com/office/officeart/2018/2/layout/IconLabelList"/>
+    <dgm:cxn modelId="{231C4DE7-DFAD-48F0-A1EE-C2A4E54B8689}" type="presOf" srcId="{5BC97B20-880A-47B0-A6C1-F7FBE035CBA4}" destId="{AB804D25-39B7-4B6C-8CC1-9DE519E2F271}" srcOrd="0" destOrd="0" presId="urn:microsoft.com/office/officeart/2018/2/layout/IconLabelList"/>
+    <dgm:cxn modelId="{03A171B5-8039-4330-8E78-1B43B475F4D1}" type="presParOf" srcId="{AD13B094-7E47-4FBB-B554-F9D3D25B9D9D}" destId="{27FAFA73-E3DE-46B0-9A82-0950E9092E7D}" srcOrd="0" destOrd="0" presId="urn:microsoft.com/office/officeart/2018/2/layout/IconLabelList"/>
+    <dgm:cxn modelId="{20EF3F34-EABB-4F45-A811-C84AC16708F6}" type="presParOf" srcId="{27FAFA73-E3DE-46B0-9A82-0950E9092E7D}" destId="{0235DCF9-D00A-4EC0-9AD1-D31B928CFD30}" srcOrd="0" destOrd="0" presId="urn:microsoft.com/office/officeart/2018/2/layout/IconLabelList"/>
+    <dgm:cxn modelId="{D5061AA3-9EF3-483A-871E-824095BAE04A}" type="presParOf" srcId="{27FAFA73-E3DE-46B0-9A82-0950E9092E7D}" destId="{643C1F66-E20E-4990-9A27-0DA99A82B9A8}" srcOrd="1" destOrd="0" presId="urn:microsoft.com/office/officeart/2018/2/layout/IconLabelList"/>
+    <dgm:cxn modelId="{BCD53900-2DDD-4670-967F-CA1995D753D7}" type="presParOf" srcId="{27FAFA73-E3DE-46B0-9A82-0950E9092E7D}" destId="{AB804D25-39B7-4B6C-8CC1-9DE519E2F271}" srcOrd="2" destOrd="0" presId="urn:microsoft.com/office/officeart/2018/2/layout/IconLabelList"/>
+    <dgm:cxn modelId="{C450E032-6FE3-452F-9E08-130968417269}" type="presParOf" srcId="{AD13B094-7E47-4FBB-B554-F9D3D25B9D9D}" destId="{032D8023-09BB-4A9F-86F8-BB052AD98E22}" srcOrd="1" destOrd="0" presId="urn:microsoft.com/office/officeart/2018/2/layout/IconLabelList"/>
+    <dgm:cxn modelId="{7C7A7B21-B98B-49C5-ADB7-8CC9B1D89CA9}" type="presParOf" srcId="{AD13B094-7E47-4FBB-B554-F9D3D25B9D9D}" destId="{AEEABC97-A29B-4D36-A46D-3B422A6F4C9E}" srcOrd="2" destOrd="0" presId="urn:microsoft.com/office/officeart/2018/2/layout/IconLabelList"/>
+    <dgm:cxn modelId="{4E5D87DF-30B8-4345-9892-F02CEF56B1CA}" type="presParOf" srcId="{AEEABC97-A29B-4D36-A46D-3B422A6F4C9E}" destId="{E132AEC1-4608-4887-A19A-F6D3563241B5}" srcOrd="0" destOrd="0" presId="urn:microsoft.com/office/officeart/2018/2/layout/IconLabelList"/>
+    <dgm:cxn modelId="{97900734-A60F-4257-A048-290623898821}" type="presParOf" srcId="{AEEABC97-A29B-4D36-A46D-3B422A6F4C9E}" destId="{DC411A69-5DB3-4F2C-9595-3A1991C43E2B}" srcOrd="1" destOrd="0" presId="urn:microsoft.com/office/officeart/2018/2/layout/IconLabelList"/>
+    <dgm:cxn modelId="{866DC600-6283-4F23-96B4-0B97F9A3B9E1}" type="presParOf" srcId="{AEEABC97-A29B-4D36-A46D-3B422A6F4C9E}" destId="{873FC61B-B079-4003-B636-904257EF07C8}" srcOrd="2" destOrd="0" presId="urn:microsoft.com/office/officeart/2018/2/layout/IconLabelList"/>
+    <dgm:cxn modelId="{19768562-AD0E-48FE-9BD5-D2F809FC9A0D}" type="presParOf" srcId="{AD13B094-7E47-4FBB-B554-F9D3D25B9D9D}" destId="{619474C2-9675-4248-B6F2-0E2FAB57CE00}" srcOrd="3" destOrd="0" presId="urn:microsoft.com/office/officeart/2018/2/layout/IconLabelList"/>
+    <dgm:cxn modelId="{1C91562D-2D45-41DA-9559-E27EF86A33E4}" type="presParOf" srcId="{AD13B094-7E47-4FBB-B554-F9D3D25B9D9D}" destId="{4EAFC7EB-E7E7-457D-86C2-F243011BB915}" srcOrd="4" destOrd="0" presId="urn:microsoft.com/office/officeart/2018/2/layout/IconLabelList"/>
+    <dgm:cxn modelId="{779F1DAB-D4E3-4CB8-99B0-9C95136E423E}" type="presParOf" srcId="{4EAFC7EB-E7E7-457D-86C2-F243011BB915}" destId="{AC8A8F24-7B2B-4539-B049-51BAB4D2A715}" srcOrd="0" destOrd="0" presId="urn:microsoft.com/office/officeart/2018/2/layout/IconLabelList"/>
+    <dgm:cxn modelId="{1F9E15EB-364B-4498-AA4D-B253B7345F88}" type="presParOf" srcId="{4EAFC7EB-E7E7-457D-86C2-F243011BB915}" destId="{D11D78AB-B810-4BC4-83EA-354D6B3CA21F}" srcOrd="1" destOrd="0" presId="urn:microsoft.com/office/officeart/2018/2/layout/IconLabelList"/>
+    <dgm:cxn modelId="{62716E83-D72E-4A20-A0AA-61E6393790D8}" type="presParOf" srcId="{4EAFC7EB-E7E7-457D-86C2-F243011BB915}" destId="{BC5FD202-A28A-4F79-BD65-9D0090D539F1}" srcOrd="2" destOrd="0" presId="urn:microsoft.com/office/officeart/2018/2/layout/IconLabelList"/>
   </dgm:cxnLst>
   <dgm:bg/>
   <dgm:whole/>
@@ -4197,7 +4279,7 @@
           </a:pPr>
           <a:r>
             <a:rPr lang="en-US" dirty="0"/>
-            <a:t>Anything but Coal</a:t>
+            <a:t>Hydro, Solar, and Wind have more glaring issues</a:t>
           </a:r>
         </a:p>
       </dgm:t>
@@ -4478,7 +4560,7 @@
             </a:lnSpc>
           </a:pPr>
           <a:r>
-            <a:rPr lang="en-US"/>
+            <a:rPr lang="en-US" dirty="0"/>
             <a:t>Coal power should be phased out</a:t>
           </a:r>
         </a:p>
@@ -4519,10 +4601,9 @@
             </a:lnSpc>
           </a:pPr>
           <a:r>
-            <a:rPr lang="en-US"/>
+            <a:rPr lang="en-US" dirty="0"/>
             <a:t>Developing Nations use lots of Coal</a:t>
           </a:r>
-          <a:endParaRPr lang="en-US" dirty="0"/>
         </a:p>
       </dgm:t>
     </dgm:pt>
@@ -4561,7 +4642,7 @@
             </a:lnSpc>
           </a:pPr>
           <a:r>
-            <a:rPr lang="en-US"/>
+            <a:rPr lang="en-US" dirty="0"/>
             <a:t>Coal power plants are cheap</a:t>
           </a:r>
         </a:p>
@@ -4602,7 +4683,7 @@
             </a:lnSpc>
           </a:pPr>
           <a:r>
-            <a:rPr lang="en-US"/>
+            <a:rPr lang="en-US" dirty="0"/>
             <a:t>They have more pressing matters</a:t>
           </a:r>
         </a:p>
@@ -4644,7 +4725,7 @@
           </a:pPr>
           <a:r>
             <a:rPr lang="en-US" dirty="0"/>
-            <a:t>China, India, Australia move to other power sources</a:t>
+            <a:t>Move to different power sources</a:t>
           </a:r>
         </a:p>
       </dgm:t>
@@ -6060,15 +6141,15 @@
       <dsp:cNvGrpSpPr/>
     </dsp:nvGrpSpPr>
     <dsp:grpSpPr/>
-    <dsp:sp modelId="{7AAFE75C-73EF-4015-A956-8A0DAA797D23}">
+    <dsp:sp modelId="{0235DCF9-D00A-4EC0-9AD1-D31B928CFD30}">
       <dsp:nvSpPr>
         <dsp:cNvPr id="0" name=""/>
         <dsp:cNvSpPr/>
       </dsp:nvSpPr>
       <dsp:spPr>
         <a:xfrm>
-          <a:off x="1426331" y="331544"/>
-          <a:ext cx="1944000" cy="1944000"/>
+          <a:off x="1003615" y="731577"/>
+          <a:ext cx="1264087" cy="1264087"/>
         </a:xfrm>
         <a:prstGeom prst="rect">
           <a:avLst/>
@@ -6109,15 +6190,15 @@
         </a:fontRef>
       </dsp:style>
     </dsp:sp>
-    <dsp:sp modelId="{882EA9A5-EFA3-4150-8C10-CDEC1092CBE3}">
+    <dsp:sp modelId="{AB804D25-39B7-4B6C-8CC1-9DE519E2F271}">
       <dsp:nvSpPr>
         <dsp:cNvPr id="0" name=""/>
         <dsp:cNvSpPr/>
       </dsp:nvSpPr>
       <dsp:spPr>
         <a:xfrm>
-          <a:off x="238331" y="2745925"/>
-          <a:ext cx="4320000" cy="720000"/>
+          <a:off x="231117" y="2345892"/>
+          <a:ext cx="2809082" cy="720000"/>
         </a:xfrm>
         <a:prstGeom prst="rect">
           <a:avLst/>
@@ -6146,9 +6227,9 @@
         </a:bodyPr>
         <a:lstStyle/>
         <a:p>
-          <a:pPr marL="0" lvl="0" indent="0" algn="ctr" defTabSz="1022350">
+          <a:pPr marL="0" lvl="0" indent="0" algn="ctr" defTabSz="889000">
             <a:lnSpc>
-              <a:spcPct val="100000"/>
+              <a:spcPct val="90000"/>
             </a:lnSpc>
             <a:spcBef>
               <a:spcPct val="0"/>
@@ -6159,25 +6240,25 @@
             <a:buNone/>
           </a:pPr>
           <a:r>
-            <a:rPr lang="en-US" sz="2300" kern="1200" dirty="0"/>
+            <a:rPr lang="en-US" sz="2000" kern="1200" dirty="0"/>
             <a:t>One of the highest gCO2/KWH Power Sources</a:t>
           </a:r>
         </a:p>
       </dsp:txBody>
       <dsp:txXfrm>
-        <a:off x="238331" y="2745925"/>
-        <a:ext cx="4320000" cy="720000"/>
+        <a:off x="231117" y="2345892"/>
+        <a:ext cx="2809082" cy="720000"/>
       </dsp:txXfrm>
     </dsp:sp>
-    <dsp:sp modelId="{F8061B21-1D0E-4527-B0EC-3E0F56ED576A}">
+    <dsp:sp modelId="{E132AEC1-4608-4887-A19A-F6D3563241B5}">
       <dsp:nvSpPr>
         <dsp:cNvPr id="0" name=""/>
         <dsp:cNvSpPr/>
       </dsp:nvSpPr>
       <dsp:spPr>
         <a:xfrm>
-          <a:off x="6502331" y="331544"/>
-          <a:ext cx="1944000" cy="1944000"/>
+          <a:off x="4304287" y="731577"/>
+          <a:ext cx="1264087" cy="1264087"/>
         </a:xfrm>
         <a:prstGeom prst="rect">
           <a:avLst/>
@@ -6218,15 +6299,15 @@
         </a:fontRef>
       </dsp:style>
     </dsp:sp>
-    <dsp:sp modelId="{BEB143C8-C362-4001-A70B-E5CDAA3A7ADA}">
+    <dsp:sp modelId="{873FC61B-B079-4003-B636-904257EF07C8}">
       <dsp:nvSpPr>
         <dsp:cNvPr id="0" name=""/>
         <dsp:cNvSpPr/>
       </dsp:nvSpPr>
       <dsp:spPr>
         <a:xfrm>
-          <a:off x="5314331" y="2745925"/>
-          <a:ext cx="4320000" cy="720000"/>
+          <a:off x="3531790" y="2345892"/>
+          <a:ext cx="2809082" cy="720000"/>
         </a:xfrm>
         <a:prstGeom prst="rect">
           <a:avLst/>
@@ -6255,9 +6336,9 @@
         </a:bodyPr>
         <a:lstStyle/>
         <a:p>
-          <a:pPr marL="0" lvl="0" indent="0" algn="ctr" defTabSz="1022350">
+          <a:pPr marL="0" lvl="0" indent="0" algn="ctr" defTabSz="889000">
             <a:lnSpc>
-              <a:spcPct val="100000"/>
+              <a:spcPct val="90000"/>
             </a:lnSpc>
             <a:spcBef>
               <a:spcPct val="0"/>
@@ -6268,14 +6349,123 @@
             <a:buNone/>
           </a:pPr>
           <a:r>
-            <a:rPr lang="en-US" sz="2300" kern="1200"/>
+            <a:rPr lang="en-US" sz="2000" kern="1200" dirty="0"/>
+            <a:t>Brings electricity to those who don’t have it</a:t>
+          </a:r>
+        </a:p>
+      </dsp:txBody>
+      <dsp:txXfrm>
+        <a:off x="3531790" y="2345892"/>
+        <a:ext cx="2809082" cy="720000"/>
+      </dsp:txXfrm>
+    </dsp:sp>
+    <dsp:sp modelId="{AC8A8F24-7B2B-4539-B049-51BAB4D2A715}">
+      <dsp:nvSpPr>
+        <dsp:cNvPr id="0" name=""/>
+        <dsp:cNvSpPr/>
+      </dsp:nvSpPr>
+      <dsp:spPr>
+        <a:xfrm>
+          <a:off x="7604960" y="731577"/>
+          <a:ext cx="1264087" cy="1264087"/>
+        </a:xfrm>
+        <a:prstGeom prst="rect">
+          <a:avLst/>
+        </a:prstGeom>
+        <a:blipFill>
+          <a:blip xmlns:r="http://schemas.openxmlformats.org/officeDocument/2006/relationships" r:embed="rId5">
+            <a:extLst>
+              <a:ext uri="{28A0092B-C50C-407E-A947-70E740481C1C}">
+                <a14:useLocalDpi xmlns:a14="http://schemas.microsoft.com/office/drawing/2010/main" val="0"/>
+              </a:ext>
+              <a:ext uri="{96DAC541-7B7A-43D3-8B79-37D633B846F1}">
+                <asvg:svgBlip xmlns:asvg="http://schemas.microsoft.com/office/drawing/2016/SVG/main" r:embed="rId6"/>
+              </a:ext>
+            </a:extLst>
+          </a:blip>
+          <a:stretch>
+            <a:fillRect/>
+          </a:stretch>
+        </a:blipFill>
+        <a:ln w="19050" cap="flat" cmpd="sng" algn="ctr">
+          <a:noFill/>
+          <a:prstDash val="solid"/>
+        </a:ln>
+        <a:effectLst/>
+      </dsp:spPr>
+      <dsp:style>
+        <a:lnRef idx="2">
+          <a:scrgbClr r="0" g="0" b="0"/>
+        </a:lnRef>
+        <a:fillRef idx="1">
+          <a:scrgbClr r="0" g="0" b="0"/>
+        </a:fillRef>
+        <a:effectRef idx="0">
+          <a:scrgbClr r="0" g="0" b="0"/>
+        </a:effectRef>
+        <a:fontRef idx="minor">
+          <a:schemeClr val="lt1"/>
+        </a:fontRef>
+      </dsp:style>
+    </dsp:sp>
+    <dsp:sp modelId="{BC5FD202-A28A-4F79-BD65-9D0090D539F1}">
+      <dsp:nvSpPr>
+        <dsp:cNvPr id="0" name=""/>
+        <dsp:cNvSpPr/>
+      </dsp:nvSpPr>
+      <dsp:spPr>
+        <a:xfrm>
+          <a:off x="6832462" y="2345892"/>
+          <a:ext cx="2809082" cy="720000"/>
+        </a:xfrm>
+        <a:prstGeom prst="rect">
+          <a:avLst/>
+        </a:prstGeom>
+        <a:noFill/>
+        <a:ln>
+          <a:noFill/>
+        </a:ln>
+        <a:effectLst/>
+      </dsp:spPr>
+      <dsp:style>
+        <a:lnRef idx="0">
+          <a:scrgbClr r="0" g="0" b="0"/>
+        </a:lnRef>
+        <a:fillRef idx="0">
+          <a:scrgbClr r="0" g="0" b="0"/>
+        </a:fillRef>
+        <a:effectRef idx="0">
+          <a:scrgbClr r="0" g="0" b="0"/>
+        </a:effectRef>
+        <a:fontRef idx="minor"/>
+      </dsp:style>
+      <dsp:txBody>
+        <a:bodyPr spcFirstLastPara="0" vert="horz" wrap="square" lIns="0" tIns="0" rIns="0" bIns="0" numCol="1" spcCol="1270" anchor="t" anchorCtr="0">
+          <a:noAutofit/>
+        </a:bodyPr>
+        <a:lstStyle/>
+        <a:p>
+          <a:pPr marL="0" lvl="0" indent="0" algn="ctr" defTabSz="889000">
+            <a:lnSpc>
+              <a:spcPct val="90000"/>
+            </a:lnSpc>
+            <a:spcBef>
+              <a:spcPct val="0"/>
+            </a:spcBef>
+            <a:spcAft>
+              <a:spcPct val="35000"/>
+            </a:spcAft>
+            <a:buNone/>
+          </a:pPr>
+          <a:r>
+            <a:rPr lang="en-US" sz="2000" kern="1200" dirty="0"/>
             <a:t>Cheaper than other power sources</a:t>
           </a:r>
         </a:p>
       </dsp:txBody>
       <dsp:txXfrm>
-        <a:off x="5314331" y="2745925"/>
-        <a:ext cx="4320000" cy="720000"/>
+        <a:off x="6832462" y="2345892"/>
+        <a:ext cx="2809082" cy="720000"/>
       </dsp:txXfrm>
     </dsp:sp>
   </dsp:spTree>
@@ -6376,7 +6566,7 @@
         </a:bodyPr>
         <a:lstStyle/>
         <a:p>
-          <a:pPr marL="0" lvl="0" indent="0" algn="ctr" defTabSz="1022350">
+          <a:pPr marL="0" lvl="0" indent="0" algn="ctr" defTabSz="933450">
             <a:lnSpc>
               <a:spcPct val="100000"/>
             </a:lnSpc>
@@ -6389,14 +6579,14 @@
             <a:buNone/>
           </a:pPr>
           <a:r>
-            <a:rPr lang="en-US" sz="2300" kern="1200" dirty="0"/>
+            <a:rPr lang="en-US" sz="2100" kern="1200" dirty="0"/>
             <a:t>Developing Nations →</a:t>
           </a:r>
           <a:r>
-            <a:rPr lang="en-US" sz="2300" b="1" kern="1200" dirty="0"/>
+            <a:rPr lang="en-US" sz="2100" b="1" kern="1200" dirty="0"/>
             <a:t> Natural Gas</a:t>
           </a:r>
-          <a:endParaRPr lang="en-US" sz="2300" kern="1200" dirty="0"/>
+          <a:endParaRPr lang="en-US" sz="2100" kern="1200" dirty="0"/>
         </a:p>
       </dsp:txBody>
       <dsp:txXfrm>
@@ -6490,7 +6680,7 @@
         </a:bodyPr>
         <a:lstStyle/>
         <a:p>
-          <a:pPr marL="0" lvl="0" indent="0" algn="ctr" defTabSz="1022350">
+          <a:pPr marL="0" lvl="0" indent="0" algn="ctr" defTabSz="933450">
             <a:lnSpc>
               <a:spcPct val="100000"/>
             </a:lnSpc>
@@ -6503,14 +6693,14 @@
             <a:buNone/>
           </a:pPr>
           <a:r>
-            <a:rPr lang="en-US" sz="2300" kern="1200" dirty="0"/>
+            <a:rPr lang="en-US" sz="2100" kern="1200" dirty="0"/>
             <a:t>Developed Nations → </a:t>
           </a:r>
           <a:r>
-            <a:rPr lang="en-US" sz="2300" b="1" kern="1200" dirty="0"/>
+            <a:rPr lang="en-US" sz="2100" b="1" kern="1200" dirty="0"/>
             <a:t>Nuclear Power</a:t>
           </a:r>
-          <a:endParaRPr lang="en-US" sz="2300" kern="1200" dirty="0"/>
+          <a:endParaRPr lang="en-US" sz="2100" kern="1200" dirty="0"/>
         </a:p>
       </dsp:txBody>
       <dsp:txXfrm>
@@ -6604,7 +6794,7 @@
         </a:bodyPr>
         <a:lstStyle/>
         <a:p>
-          <a:pPr marL="0" lvl="0" indent="0" algn="ctr" defTabSz="1022350">
+          <a:pPr marL="0" lvl="0" indent="0" algn="ctr" defTabSz="933450">
             <a:lnSpc>
               <a:spcPct val="100000"/>
             </a:lnSpc>
@@ -6617,8 +6807,8 @@
             <a:buNone/>
           </a:pPr>
           <a:r>
-            <a:rPr lang="en-US" sz="2300" kern="1200" dirty="0"/>
-            <a:t>Anything but Coal</a:t>
+            <a:rPr lang="en-US" sz="2100" kern="1200" dirty="0"/>
+            <a:t>Hydro, Solar, and Wind have more glaring issues</a:t>
           </a:r>
         </a:p>
       </dsp:txBody>
@@ -6774,7 +6964,7 @@
         </a:bodyPr>
         <a:lstStyle/>
         <a:p>
-          <a:pPr marL="0" lvl="0" indent="0" algn="l" defTabSz="933450">
+          <a:pPr marL="0" lvl="0" indent="0" algn="l" defTabSz="977900">
             <a:lnSpc>
               <a:spcPct val="100000"/>
             </a:lnSpc>
@@ -6787,7 +6977,7 @@
             <a:buNone/>
           </a:pPr>
           <a:r>
-            <a:rPr lang="en-US" sz="2100" kern="1200"/>
+            <a:rPr lang="en-US" sz="2200" kern="1200"/>
             <a:t>Climate Change is a Global Problem</a:t>
           </a:r>
         </a:p>
@@ -6932,7 +7122,7 @@
         </a:bodyPr>
         <a:lstStyle/>
         <a:p>
-          <a:pPr marL="0" lvl="0" indent="0" algn="l" defTabSz="933450">
+          <a:pPr marL="0" lvl="0" indent="0" algn="l" defTabSz="977900">
             <a:lnSpc>
               <a:spcPct val="100000"/>
             </a:lnSpc>
@@ -6945,7 +7135,7 @@
             <a:buNone/>
           </a:pPr>
           <a:r>
-            <a:rPr lang="en-US" sz="2100" kern="1200"/>
+            <a:rPr lang="en-US" sz="2200" kern="1200" dirty="0"/>
             <a:t>Coal power should be phased out</a:t>
           </a:r>
         </a:p>
@@ -7090,7 +7280,7 @@
         </a:bodyPr>
         <a:lstStyle/>
         <a:p>
-          <a:pPr marL="0" lvl="0" indent="0" algn="l" defTabSz="933450">
+          <a:pPr marL="0" lvl="0" indent="0" algn="l" defTabSz="977900">
             <a:lnSpc>
               <a:spcPct val="100000"/>
             </a:lnSpc>
@@ -7103,10 +7293,9 @@
             <a:buNone/>
           </a:pPr>
           <a:r>
-            <a:rPr lang="en-US" sz="2100" kern="1200"/>
+            <a:rPr lang="en-US" sz="2200" kern="1200" dirty="0"/>
             <a:t>Developing Nations use lots of Coal</a:t>
           </a:r>
-          <a:endParaRPr lang="en-US" sz="2100" kern="1200" dirty="0"/>
         </a:p>
       </dsp:txBody>
       <dsp:txXfrm>
@@ -7151,7 +7340,7 @@
         </a:bodyPr>
         <a:lstStyle/>
         <a:p>
-          <a:pPr marL="0" lvl="0" indent="0" algn="l" defTabSz="711200">
+          <a:pPr marL="0" lvl="0" indent="0" algn="l" defTabSz="800100">
             <a:lnSpc>
               <a:spcPct val="100000"/>
             </a:lnSpc>
@@ -7164,12 +7353,12 @@
             <a:buNone/>
           </a:pPr>
           <a:r>
-            <a:rPr lang="en-US" sz="1600" kern="1200"/>
+            <a:rPr lang="en-US" sz="1800" kern="1200" dirty="0"/>
             <a:t>Coal power plants are cheap</a:t>
           </a:r>
         </a:p>
         <a:p>
-          <a:pPr marL="0" lvl="0" indent="0" algn="l" defTabSz="711200">
+          <a:pPr marL="0" lvl="0" indent="0" algn="l" defTabSz="800100">
             <a:lnSpc>
               <a:spcPct val="100000"/>
             </a:lnSpc>
@@ -7182,7 +7371,7 @@
             <a:buNone/>
           </a:pPr>
           <a:r>
-            <a:rPr lang="en-US" sz="1600" kern="1200"/>
+            <a:rPr lang="en-US" sz="1800" kern="1200" dirty="0"/>
             <a:t>They have more pressing matters</a:t>
           </a:r>
         </a:p>
@@ -7327,7 +7516,7 @@
         </a:bodyPr>
         <a:lstStyle/>
         <a:p>
-          <a:pPr marL="0" lvl="0" indent="0" algn="l" defTabSz="933450">
+          <a:pPr marL="0" lvl="0" indent="0" algn="l" defTabSz="977900">
             <a:lnSpc>
               <a:spcPct val="100000"/>
             </a:lnSpc>
@@ -7340,8 +7529,8 @@
             <a:buNone/>
           </a:pPr>
           <a:r>
-            <a:rPr lang="en-US" sz="2100" kern="1200" dirty="0"/>
-            <a:t>China, India, Australia move to other power sources</a:t>
+            <a:rPr lang="en-US" sz="2200" kern="1200" dirty="0"/>
+            <a:t>Move to different power sources</a:t>
           </a:r>
         </a:p>
       </dsp:txBody>
@@ -7387,7 +7576,7 @@
         </a:bodyPr>
         <a:lstStyle/>
         <a:p>
-          <a:pPr marL="0" lvl="0" indent="0" algn="l" defTabSz="711200">
+          <a:pPr marL="0" lvl="0" indent="0" algn="l" defTabSz="800100">
             <a:lnSpc>
               <a:spcPct val="100000"/>
             </a:lnSpc>
@@ -7400,15 +7589,15 @@
             <a:buNone/>
           </a:pPr>
           <a:r>
-            <a:rPr lang="en-US" sz="1600" kern="1200" dirty="0"/>
+            <a:rPr lang="en-US" sz="1800" kern="1200" dirty="0"/>
             <a:t>Like </a:t>
           </a:r>
           <a:r>
-            <a:rPr lang="en-US" sz="1600" b="1" kern="1200" dirty="0"/>
+            <a:rPr lang="en-US" sz="1800" b="1" kern="1200" dirty="0"/>
             <a:t>Nuclear</a:t>
           </a:r>
           <a:r>
-            <a:rPr lang="en-US" sz="1600" kern="1200" dirty="0"/>
+            <a:rPr lang="en-US" sz="1800" kern="1200" dirty="0"/>
             <a:t>, Natural Gas, or Hydro</a:t>
           </a:r>
         </a:p>
@@ -12643,7 +12832,7 @@
           <a:p>
             <a:fld id="{9C1E232B-274B-44A2-BE69-EF7B1E510C29}" type="datetimeFigureOut">
               <a:rPr lang="en-US" smtClean="0"/>
-              <a:t>11/25/2024</a:t>
+              <a:t>11/26/2024</a:t>
             </a:fld>
             <a:endParaRPr lang="en-US"/>
           </a:p>
@@ -12864,7 +13053,7 @@
           <a:p>
             <a:fld id="{9C1E232B-274B-44A2-BE69-EF7B1E510C29}" type="datetimeFigureOut">
               <a:rPr lang="en-US" smtClean="0"/>
-              <a:t>11/25/2024</a:t>
+              <a:t>11/26/2024</a:t>
             </a:fld>
             <a:endParaRPr lang="en-US"/>
           </a:p>
@@ -13044,7 +13233,7 @@
           <a:p>
             <a:fld id="{9C1E232B-274B-44A2-BE69-EF7B1E510C29}" type="datetimeFigureOut">
               <a:rPr lang="en-US" smtClean="0"/>
-              <a:t>11/25/2024</a:t>
+              <a:t>11/26/2024</a:t>
             </a:fld>
             <a:endParaRPr lang="en-US"/>
           </a:p>
@@ -13214,7 +13403,7 @@
           <a:p>
             <a:fld id="{9C1E232B-274B-44A2-BE69-EF7B1E510C29}" type="datetimeFigureOut">
               <a:rPr lang="en-US" smtClean="0"/>
-              <a:t>11/25/2024</a:t>
+              <a:t>11/26/2024</a:t>
             </a:fld>
             <a:endParaRPr lang="en-US"/>
           </a:p>
@@ -13465,7 +13654,7 @@
           <a:p>
             <a:fld id="{9C1E232B-274B-44A2-BE69-EF7B1E510C29}" type="datetimeFigureOut">
               <a:rPr lang="en-US" smtClean="0"/>
-              <a:t>11/25/2024</a:t>
+              <a:t>11/26/2024</a:t>
             </a:fld>
             <a:endParaRPr lang="en-US"/>
           </a:p>
@@ -13788,7 +13977,7 @@
           <a:p>
             <a:fld id="{9C1E232B-274B-44A2-BE69-EF7B1E510C29}" type="datetimeFigureOut">
               <a:rPr lang="en-US" smtClean="0"/>
-              <a:t>11/25/2024</a:t>
+              <a:t>11/26/2024</a:t>
             </a:fld>
             <a:endParaRPr lang="en-US"/>
           </a:p>
@@ -14212,7 +14401,7 @@
           <a:p>
             <a:fld id="{9C1E232B-274B-44A2-BE69-EF7B1E510C29}" type="datetimeFigureOut">
               <a:rPr lang="en-US" smtClean="0"/>
-              <a:t>11/25/2024</a:t>
+              <a:t>11/26/2024</a:t>
             </a:fld>
             <a:endParaRPr lang="en-US"/>
           </a:p>
@@ -14330,7 +14519,7 @@
           <a:p>
             <a:fld id="{9C1E232B-274B-44A2-BE69-EF7B1E510C29}" type="datetimeFigureOut">
               <a:rPr lang="en-US" smtClean="0"/>
-              <a:t>11/25/2024</a:t>
+              <a:t>11/26/2024</a:t>
             </a:fld>
             <a:endParaRPr lang="en-US"/>
           </a:p>
@@ -14425,7 +14614,7 @@
           <a:p>
             <a:fld id="{9C1E232B-274B-44A2-BE69-EF7B1E510C29}" type="datetimeFigureOut">
               <a:rPr lang="en-US" smtClean="0"/>
-              <a:t>11/25/2024</a:t>
+              <a:t>11/26/2024</a:t>
             </a:fld>
             <a:endParaRPr lang="en-US"/>
           </a:p>
@@ -14715,7 +14904,7 @@
           <a:p>
             <a:fld id="{9C1E232B-274B-44A2-BE69-EF7B1E510C29}" type="datetimeFigureOut">
               <a:rPr lang="en-US" smtClean="0"/>
-              <a:t>11/25/2024</a:t>
+              <a:t>11/26/2024</a:t>
             </a:fld>
             <a:endParaRPr lang="en-US"/>
           </a:p>
@@ -14987,7 +15176,7 @@
           <a:p>
             <a:fld id="{9C1E232B-274B-44A2-BE69-EF7B1E510C29}" type="datetimeFigureOut">
               <a:rPr lang="en-US" smtClean="0"/>
-              <a:t>11/25/2024</a:t>
+              <a:t>11/26/2024</a:t>
             </a:fld>
             <a:endParaRPr lang="en-US"/>
           </a:p>
@@ -15241,7 +15430,7 @@
           <a:p>
             <a:fld id="{9C1E232B-274B-44A2-BE69-EF7B1E510C29}" type="datetimeFigureOut">
               <a:rPr lang="en-US" smtClean="0"/>
-              <a:t>11/25/2024</a:t>
+              <a:t>11/26/2024</a:t>
             </a:fld>
             <a:endParaRPr lang="en-US"/>
           </a:p>
@@ -16083,10 +16272,10 @@
       </p:sp>
       <p:graphicFrame>
         <p:nvGraphicFramePr>
-          <p:cNvPr id="5" name="Content Placeholder 2">
+          <p:cNvPr id="10" name="Content Placeholder 7">
             <a:extLst>
               <a:ext uri="{FF2B5EF4-FFF2-40B4-BE49-F238E27FC236}">
-                <a16:creationId xmlns:a16="http://schemas.microsoft.com/office/drawing/2014/main" id="{81CA7159-A370-3425-234B-BBE3FE9FEBE2}"/>
+                <a16:creationId xmlns:a16="http://schemas.microsoft.com/office/drawing/2014/main" id="{7E225F32-DC0B-29A0-A531-7BF34FF1BED9}"/>
               </a:ext>
             </a:extLst>
           </p:cNvPr>
@@ -16097,7 +16286,7 @@
             <p:ph idx="1"/>
             <p:extLst>
               <p:ext uri="{D42A27DB-BD31-4B8C-83A1-F6EECF244321}">
-                <p14:modId xmlns:p14="http://schemas.microsoft.com/office/powerpoint/2010/main" val="3171305148"/>
+                <p14:modId xmlns:p14="http://schemas.microsoft.com/office/powerpoint/2010/main" val="2233184059"/>
               </p:ext>
             </p:extLst>
           </p:nvPr>
@@ -16202,7 +16391,7 @@
             <p:ph idx="1"/>
             <p:extLst>
               <p:ext uri="{D42A27DB-BD31-4B8C-83A1-F6EECF244321}">
-                <p14:modId xmlns:p14="http://schemas.microsoft.com/office/powerpoint/2010/main" val="2476470465"/>
+                <p14:modId xmlns:p14="http://schemas.microsoft.com/office/powerpoint/2010/main" val="3233250660"/>
               </p:ext>
             </p:extLst>
           </p:nvPr>
@@ -16263,16 +16452,20 @@
             <p:ph type="title"/>
           </p:nvPr>
         </p:nvSpPr>
-        <p:spPr/>
+        <p:spPr>
+          <a:xfrm>
+            <a:off x="1140351" y="650764"/>
+            <a:ext cx="9875520" cy="1356360"/>
+          </a:xfrm>
+        </p:spPr>
         <p:txBody>
           <a:bodyPr/>
           <a:lstStyle/>
           <a:p>
             <a:r>
-              <a:rPr lang="en-US"/>
+              <a:rPr lang="en-US" dirty="0"/>
               <a:t>Conclusions</a:t>
             </a:r>
-            <a:endParaRPr lang="en-US" dirty="0"/>
           </a:p>
         </p:txBody>
       </p:sp>
@@ -16292,7 +16485,7 @@
             <p:ph idx="1"/>
             <p:extLst>
               <p:ext uri="{D42A27DB-BD31-4B8C-83A1-F6EECF244321}">
-                <p14:modId xmlns:p14="http://schemas.microsoft.com/office/powerpoint/2010/main" val="1861086328"/>
+                <p14:modId xmlns:p14="http://schemas.microsoft.com/office/powerpoint/2010/main" val="2035732970"/>
               </p:ext>
             </p:extLst>
           </p:nvPr>
@@ -16307,6 +16500,41 @@
           </a:graphicData>
         </a:graphic>
       </p:graphicFrame>
+      <p:sp>
+        <p:nvSpPr>
+          <p:cNvPr id="3" name="TextBox 2">
+            <a:extLst>
+              <a:ext uri="{FF2B5EF4-FFF2-40B4-BE49-F238E27FC236}">
+                <a16:creationId xmlns:a16="http://schemas.microsoft.com/office/drawing/2014/main" id="{A413ABA6-1441-A56F-70AA-22D2DE15D65C}"/>
+              </a:ext>
+            </a:extLst>
+          </p:cNvPr>
+          <p:cNvSpPr txBox="1"/>
+          <p:nvPr/>
+        </p:nvSpPr>
+        <p:spPr>
+          <a:xfrm>
+            <a:off x="6519285" y="3337088"/>
+            <a:ext cx="4496586" cy="369332"/>
+          </a:xfrm>
+          <a:prstGeom prst="rect">
+            <a:avLst/>
+          </a:prstGeom>
+          <a:noFill/>
+        </p:spPr>
+        <p:txBody>
+          <a:bodyPr wrap="square" rtlCol="0">
+            <a:spAutoFit/>
+          </a:bodyPr>
+          <a:lstStyle/>
+          <a:p>
+            <a:r>
+              <a:rPr lang="en-US" dirty="0"/>
+              <a:t>Coal power is Inefficient (gCO2/KWH)</a:t>
+            </a:r>
+          </a:p>
+        </p:txBody>
+      </p:sp>
     </p:spTree>
     <p:extLst>
       <p:ext uri="{BB962C8B-B14F-4D97-AF65-F5344CB8AC3E}">
@@ -16321,6 +16549,64 @@
 </file>
 
 <file path=ppt/slides/slide13.xml><?xml version="1.0" encoding="utf-8"?>
+<p:sld xmlns:a="http://schemas.openxmlformats.org/drawingml/2006/main" xmlns:r="http://schemas.openxmlformats.org/officeDocument/2006/relationships" xmlns:p="http://schemas.openxmlformats.org/presentationml/2006/main">
+  <p:cSld>
+    <p:spTree>
+      <p:nvGrpSpPr>
+        <p:cNvPr id="1" name=""/>
+        <p:cNvGrpSpPr/>
+        <p:nvPr/>
+      </p:nvGrpSpPr>
+      <p:grpSpPr>
+        <a:xfrm>
+          <a:off x="0" y="0"/>
+          <a:ext cx="0" cy="0"/>
+          <a:chOff x="0" y="0"/>
+          <a:chExt cx="0" cy="0"/>
+        </a:xfrm>
+      </p:grpSpPr>
+      <p:sp>
+        <p:nvSpPr>
+          <p:cNvPr id="2" name="Title 1">
+            <a:extLst>
+              <a:ext uri="{FF2B5EF4-FFF2-40B4-BE49-F238E27FC236}">
+                <a16:creationId xmlns:a16="http://schemas.microsoft.com/office/drawing/2014/main" id="{B4C6C717-5C06-48B1-91E6-184A86E04010}"/>
+              </a:ext>
+            </a:extLst>
+          </p:cNvPr>
+          <p:cNvSpPr>
+            <a:spLocks noGrp="1"/>
+          </p:cNvSpPr>
+          <p:nvPr>
+            <p:ph type="title"/>
+          </p:nvPr>
+        </p:nvSpPr>
+        <p:spPr/>
+        <p:txBody>
+          <a:bodyPr/>
+          <a:lstStyle/>
+          <a:p>
+            <a:r>
+              <a:rPr lang="en-US" dirty="0"/>
+              <a:t>Thank You</a:t>
+            </a:r>
+          </a:p>
+        </p:txBody>
+      </p:sp>
+    </p:spTree>
+    <p:extLst>
+      <p:ext uri="{BB962C8B-B14F-4D97-AF65-F5344CB8AC3E}">
+        <p14:creationId xmlns:p14="http://schemas.microsoft.com/office/powerpoint/2010/main" val="1416114378"/>
+      </p:ext>
+    </p:extLst>
+  </p:cSld>
+  <p:clrMapOvr>
+    <a:masterClrMapping/>
+  </p:clrMapOvr>
+</p:sld>
+</file>
+
+<file path=ppt/slides/slide14.xml><?xml version="1.0" encoding="utf-8"?>
 <p:sld xmlns:a="http://schemas.openxmlformats.org/drawingml/2006/main" xmlns:r="http://schemas.openxmlformats.org/officeDocument/2006/relationships" xmlns:p="http://schemas.openxmlformats.org/presentationml/2006/main">
   <p:cSld>
     <p:spTree>
@@ -16479,64 +16765,6 @@
     <p:extLst>
       <p:ext uri="{BB962C8B-B14F-4D97-AF65-F5344CB8AC3E}">
         <p14:creationId xmlns:p14="http://schemas.microsoft.com/office/powerpoint/2010/main" val="242766817"/>
-      </p:ext>
-    </p:extLst>
-  </p:cSld>
-  <p:clrMapOvr>
-    <a:masterClrMapping/>
-  </p:clrMapOvr>
-</p:sld>
-</file>
-
-<file path=ppt/slides/slide14.xml><?xml version="1.0" encoding="utf-8"?>
-<p:sld xmlns:a="http://schemas.openxmlformats.org/drawingml/2006/main" xmlns:r="http://schemas.openxmlformats.org/officeDocument/2006/relationships" xmlns:p="http://schemas.openxmlformats.org/presentationml/2006/main">
-  <p:cSld>
-    <p:spTree>
-      <p:nvGrpSpPr>
-        <p:cNvPr id="1" name=""/>
-        <p:cNvGrpSpPr/>
-        <p:nvPr/>
-      </p:nvGrpSpPr>
-      <p:grpSpPr>
-        <a:xfrm>
-          <a:off x="0" y="0"/>
-          <a:ext cx="0" cy="0"/>
-          <a:chOff x="0" y="0"/>
-          <a:chExt cx="0" cy="0"/>
-        </a:xfrm>
-      </p:grpSpPr>
-      <p:sp>
-        <p:nvSpPr>
-          <p:cNvPr id="2" name="Title 1">
-            <a:extLst>
-              <a:ext uri="{FF2B5EF4-FFF2-40B4-BE49-F238E27FC236}">
-                <a16:creationId xmlns:a16="http://schemas.microsoft.com/office/drawing/2014/main" id="{B4C6C717-5C06-48B1-91E6-184A86E04010}"/>
-              </a:ext>
-            </a:extLst>
-          </p:cNvPr>
-          <p:cNvSpPr>
-            <a:spLocks noGrp="1"/>
-          </p:cNvSpPr>
-          <p:nvPr>
-            <p:ph type="title"/>
-          </p:nvPr>
-        </p:nvSpPr>
-        <p:spPr/>
-        <p:txBody>
-          <a:bodyPr/>
-          <a:lstStyle/>
-          <a:p>
-            <a:r>
-              <a:rPr lang="en-US" dirty="0"/>
-              <a:t>Thank You</a:t>
-            </a:r>
-          </a:p>
-        </p:txBody>
-      </p:sp>
-    </p:spTree>
-    <p:extLst>
-      <p:ext uri="{BB962C8B-B14F-4D97-AF65-F5344CB8AC3E}">
-        <p14:creationId xmlns:p14="http://schemas.microsoft.com/office/powerpoint/2010/main" val="1416114378"/>
       </p:ext>
     </p:extLst>
   </p:cSld>
@@ -18114,7 +18342,22 @@
           <a:lstStyle/>
           <a:p>
             <a:r>
-              <a:rPr lang="en-US" sz="2800">
+              <a:rPr lang="en-US" sz="2800" dirty="0">
+                <a:solidFill>
+                  <a:srgbClr val="FFFFFF"/>
+                </a:solidFill>
+              </a:rPr>
+              <a:t>Context:</a:t>
+            </a:r>
+            <a:br>
+              <a:rPr lang="en-US" sz="2800" dirty="0">
+                <a:solidFill>
+                  <a:srgbClr val="FFFFFF"/>
+                </a:solidFill>
+              </a:rPr>
+            </a:br>
+            <a:r>
+              <a:rPr lang="en-US" sz="2800" dirty="0">
                 <a:solidFill>
                   <a:srgbClr val="FFFFFF"/>
                 </a:solidFill>
@@ -19138,7 +19381,7 @@
             </a:pPr>
             <a:r>
               <a:rPr lang="en-US" sz="4600" b="1" cap="all" dirty="0"/>
-              <a:t>Australia, India, China, South Africa</a:t>
+              <a:t>Coal % Usage</a:t>
             </a:r>
           </a:p>
         </p:txBody>

--- a/Climate Change Presentation.pptx
+++ b/Climate Change Presentation.pptx
@@ -19,6 +19,7 @@
     <p:sldId id="268" r:id="rId13"/>
     <p:sldId id="270" r:id="rId14"/>
     <p:sldId id="258" r:id="rId15"/>
+    <p:sldId id="272" r:id="rId16"/>
   </p:sldIdLst>
   <p:sldSz cx="12192000" cy="6858000"/>
   <p:notesSz cx="6858000" cy="9144000"/>
@@ -16102,13 +16103,18 @@
           <a:lstStyle/>
           <a:p>
             <a:r>
-              <a:rPr lang="en-US" sz="4600" dirty="0">
+              <a:rPr lang="en-US" sz="4600">
                 <a:solidFill>
                   <a:schemeClr val="accent1"/>
                 </a:solidFill>
               </a:rPr>
-              <a:t>Climate Change Presentation</a:t>
+              <a:t>Climate Change</a:t>
             </a:r>
+            <a:endParaRPr lang="en-US" sz="4600" dirty="0">
+              <a:solidFill>
+                <a:schemeClr val="accent1"/>
+              </a:solidFill>
+            </a:endParaRPr>
           </a:p>
         </p:txBody>
       </p:sp>
@@ -16765,6 +16771,99 @@
     <p:extLst>
       <p:ext uri="{BB962C8B-B14F-4D97-AF65-F5344CB8AC3E}">
         <p14:creationId xmlns:p14="http://schemas.microsoft.com/office/powerpoint/2010/main" val="242766817"/>
+      </p:ext>
+    </p:extLst>
+  </p:cSld>
+  <p:clrMapOvr>
+    <a:masterClrMapping/>
+  </p:clrMapOvr>
+</p:sld>
+</file>
+
+<file path=ppt/slides/slide15.xml><?xml version="1.0" encoding="utf-8"?>
+<p:sld xmlns:a="http://schemas.openxmlformats.org/drawingml/2006/main" xmlns:r="http://schemas.openxmlformats.org/officeDocument/2006/relationships" xmlns:p="http://schemas.openxmlformats.org/presentationml/2006/main">
+  <p:cSld>
+    <p:spTree>
+      <p:nvGrpSpPr>
+        <p:cNvPr id="1" name=""/>
+        <p:cNvGrpSpPr/>
+        <p:nvPr/>
+      </p:nvGrpSpPr>
+      <p:grpSpPr>
+        <a:xfrm>
+          <a:off x="0" y="0"/>
+          <a:ext cx="0" cy="0"/>
+          <a:chOff x="0" y="0"/>
+          <a:chExt cx="0" cy="0"/>
+        </a:xfrm>
+      </p:grpSpPr>
+      <p:graphicFrame>
+        <p:nvGraphicFramePr>
+          <p:cNvPr id="4" name="Object 3">
+            <a:extLst>
+              <a:ext uri="{FF2B5EF4-FFF2-40B4-BE49-F238E27FC236}">
+                <a16:creationId xmlns:a16="http://schemas.microsoft.com/office/drawing/2014/main" id="{310033D1-1B27-E045-2F23-6EC98FC2F3DA}"/>
+              </a:ext>
+            </a:extLst>
+          </p:cNvPr>
+          <p:cNvGraphicFramePr>
+            <a:graphicFrameLocks noChangeAspect="1"/>
+          </p:cNvGraphicFramePr>
+          <p:nvPr>
+            <p:extLst>
+              <p:ext uri="{D42A27DB-BD31-4B8C-83A1-F6EECF244321}">
+                <p14:modId xmlns:p14="http://schemas.microsoft.com/office/powerpoint/2010/main" val="1706997143"/>
+              </p:ext>
+            </p:extLst>
+          </p:nvPr>
+        </p:nvGraphicFramePr>
+        <p:xfrm>
+          <a:off x="3935665" y="2366753"/>
+          <a:ext cx="4320669" cy="2124493"/>
+        </p:xfrm>
+        <a:graphic>
+          <a:graphicData uri="http://schemas.openxmlformats.org/presentationml/2006/ole">
+            <mc:AlternateContent xmlns:mc="http://schemas.openxmlformats.org/markup-compatibility/2006">
+              <mc:Choice xmlns:v="urn:schemas-microsoft-com:vml" Requires="v">
+                <p:oleObj name="Packager Shell Object" showAsIcon="1" r:id="rId2" imgW="1051773" imgH="518081" progId="Package">
+                  <p:embed/>
+                </p:oleObj>
+              </mc:Choice>
+              <mc:Fallback>
+                <p:oleObj name="Packager Shell Object" showAsIcon="1" r:id="rId2" imgW="1051773" imgH="518081" progId="Package">
+                  <p:embed/>
+                  <p:pic>
+                    <p:nvPicPr>
+                      <p:cNvPr id="0" name=""/>
+                      <p:cNvPicPr/>
+                      <p:nvPr/>
+                    </p:nvPicPr>
+                    <p:blipFill>
+                      <a:blip r:embed="rId3"/>
+                      <a:stretch>
+                        <a:fillRect/>
+                      </a:stretch>
+                    </p:blipFill>
+                    <p:spPr>
+                      <a:xfrm>
+                        <a:off x="3935665" y="2366753"/>
+                        <a:ext cx="4320669" cy="2124493"/>
+                      </a:xfrm>
+                      <a:prstGeom prst="rect">
+                        <a:avLst/>
+                      </a:prstGeom>
+                    </p:spPr>
+                  </p:pic>
+                </p:oleObj>
+              </mc:Fallback>
+            </mc:AlternateContent>
+          </a:graphicData>
+        </a:graphic>
+      </p:graphicFrame>
+    </p:spTree>
+    <p:extLst>
+      <p:ext uri="{BB962C8B-B14F-4D97-AF65-F5344CB8AC3E}">
+        <p14:creationId xmlns:p14="http://schemas.microsoft.com/office/powerpoint/2010/main" val="529393653"/>
       </p:ext>
     </p:extLst>
   </p:cSld>
@@ -18015,7 +18114,7 @@
                   <a:schemeClr val="accent1"/>
                 </a:solidFill>
               </a:rPr>
-              <a:t>Only Electricity data will be analyzed</a:t>
+              <a:t>Only Electricity and Historic data will be analyzed</a:t>
             </a:r>
             <a:endParaRPr lang="en-US" sz="1600" u="none" strike="noStrike" dirty="0">
               <a:solidFill>
